--- a/presentation_28may.pptx
+++ b/presentation_28may.pptx
@@ -13,10 +13,10 @@
     <p:sldId id="259" r:id="rId4"/>
     <p:sldId id="260" r:id="rId5"/>
     <p:sldId id="261" r:id="rId6"/>
-    <p:sldId id="277" r:id="rId7"/>
-    <p:sldId id="281" r:id="rId8"/>
-    <p:sldId id="280" r:id="rId9"/>
-    <p:sldId id="279" r:id="rId10"/>
+    <p:sldId id="284" r:id="rId7"/>
+    <p:sldId id="279" r:id="rId8"/>
+    <p:sldId id="282" r:id="rId9"/>
+    <p:sldId id="285" r:id="rId10"/>
     <p:sldId id="271" r:id="rId11"/>
     <p:sldId id="275" r:id="rId12"/>
     <p:sldId id="262" r:id="rId13"/>
@@ -123,7 +123,7 @@
   </p:defaultTextStyle>
   <p:extLst>
     <p:ext uri="{EFAFB233-063F-42B5-8137-9DF3F51BA10A}">
-      <p15:sldGuideLst xmlns:p15="http://schemas.microsoft.com/office/powerpoint/2012/main">
+      <p15:sldGuideLst xmlns:p15="http://schemas.microsoft.com/office/powerpoint/2012/main" xmlns="">
         <p15:guide id="1" orient="horz" pos="2160">
           <p15:clr>
             <a:srgbClr val="A4A3A4"/>
@@ -226,7 +226,7 @@
           <a:p>
             <a:fld id="{67DEBA2E-950D-3F4E-9B7D-DFF7271A6C41}" type="datetimeFigureOut">
               <a:rPr lang="it-IT" smtClean="0"/>
-              <a:t>28/05/2017</a:t>
+              <a:t>28/05/17</a:t>
             </a:fld>
             <a:endParaRPr lang="it-IT"/>
           </a:p>
@@ -384,7 +384,7 @@
           <a:p>
             <a:fld id="{FF91478A-5EF5-5447-BDFC-0B674FC5C211}" type="slidenum">
               <a:rPr lang="it-IT" smtClean="0"/>
-              <a:t>‹#›</a:t>
+              <a:t>‹n.›</a:t>
             </a:fld>
             <a:endParaRPr lang="it-IT"/>
           </a:p>
@@ -642,90 +642,6 @@
           <a:p>
             <a:fld id="{FF91478A-5EF5-5447-BDFC-0B674FC5C211}" type="slidenum">
               <a:rPr lang="it-IT" smtClean="0"/>
-              <a:t>8</a:t>
-            </a:fld>
-            <a:endParaRPr lang="it-IT"/>
-          </a:p>
-        </p:txBody>
-      </p:sp>
-    </p:spTree>
-    <p:extLst>
-      <p:ext uri="{BB962C8B-B14F-4D97-AF65-F5344CB8AC3E}">
-        <p14:creationId xmlns:p14="http://schemas.microsoft.com/office/powerpoint/2010/main" val="1293834958"/>
-      </p:ext>
-    </p:extLst>
-  </p:cSld>
-  <p:clrMapOvr>
-    <a:masterClrMapping/>
-  </p:clrMapOvr>
-</p:notes>
-</file>
-
-<file path=ppt/notesSlides/notesSlide3.xml><?xml version="1.0" encoding="utf-8"?>
-<p:notes xmlns:a="http://schemas.openxmlformats.org/drawingml/2006/main" xmlns:r="http://schemas.openxmlformats.org/officeDocument/2006/relationships" xmlns:p="http://schemas.openxmlformats.org/presentationml/2006/main">
-  <p:cSld>
-    <p:spTree>
-      <p:nvGrpSpPr>
-        <p:cNvPr id="1" name=""/>
-        <p:cNvGrpSpPr/>
-        <p:nvPr/>
-      </p:nvGrpSpPr>
-      <p:grpSpPr>
-        <a:xfrm>
-          <a:off x="0" y="0"/>
-          <a:ext cx="0" cy="0"/>
-          <a:chOff x="0" y="0"/>
-          <a:chExt cx="0" cy="0"/>
-        </a:xfrm>
-      </p:grpSpPr>
-      <p:sp>
-        <p:nvSpPr>
-          <p:cNvPr id="2" name="Segnaposto immagine diapositiva 1"/>
-          <p:cNvSpPr>
-            <a:spLocks noGrp="1" noRot="1" noChangeAspect="1"/>
-          </p:cNvSpPr>
-          <p:nvPr>
-            <p:ph type="sldImg"/>
-          </p:nvPr>
-        </p:nvSpPr>
-        <p:spPr/>
-      </p:sp>
-      <p:sp>
-        <p:nvSpPr>
-          <p:cNvPr id="3" name="Segnaposto note 2"/>
-          <p:cNvSpPr>
-            <a:spLocks noGrp="1"/>
-          </p:cNvSpPr>
-          <p:nvPr>
-            <p:ph type="body" idx="1"/>
-          </p:nvPr>
-        </p:nvSpPr>
-        <p:spPr/>
-        <p:txBody>
-          <a:bodyPr/>
-          <a:lstStyle/>
-          <a:p>
-            <a:endParaRPr lang="it-IT" dirty="0"/>
-          </a:p>
-        </p:txBody>
-      </p:sp>
-      <p:sp>
-        <p:nvSpPr>
-          <p:cNvPr id="4" name="Segnaposto numero diapositiva 3"/>
-          <p:cNvSpPr>
-            <a:spLocks noGrp="1"/>
-          </p:cNvSpPr>
-          <p:nvPr>
-            <p:ph type="sldNum" sz="quarter" idx="10"/>
-          </p:nvPr>
-        </p:nvSpPr>
-        <p:spPr/>
-        <p:txBody>
-          <a:bodyPr/>
-          <a:lstStyle/>
-          <a:p>
-            <a:fld id="{FF91478A-5EF5-5447-BDFC-0B674FC5C211}" type="slidenum">
-              <a:rPr lang="it-IT" smtClean="0"/>
               <a:t>11</a:t>
             </a:fld>
             <a:endParaRPr lang="it-IT"/>
@@ -924,7 +840,7 @@
           <a:p>
             <a:fld id="{433D94D8-B518-8E4D-9428-5C487BAC9E7C}" type="datetimeFigureOut">
               <a:rPr lang="it-IT" smtClean="0"/>
-              <a:t>28/05/2017</a:t>
+              <a:t>28/05/17</a:t>
             </a:fld>
             <a:endParaRPr lang="it-IT"/>
           </a:p>
@@ -966,7 +882,7 @@
           <a:p>
             <a:fld id="{A0186AE1-3B05-9445-8678-55BCFB76FA17}" type="slidenum">
               <a:rPr lang="it-IT" smtClean="0"/>
-              <a:t>‹#›</a:t>
+              <a:t>‹n.›</a:t>
             </a:fld>
             <a:endParaRPr lang="it-IT"/>
           </a:p>
@@ -1092,7 +1008,7 @@
           <a:p>
             <a:fld id="{433D94D8-B518-8E4D-9428-5C487BAC9E7C}" type="datetimeFigureOut">
               <a:rPr lang="it-IT" smtClean="0"/>
-              <a:t>28/05/2017</a:t>
+              <a:t>28/05/17</a:t>
             </a:fld>
             <a:endParaRPr lang="it-IT"/>
           </a:p>
@@ -1134,7 +1050,7 @@
           <a:p>
             <a:fld id="{A0186AE1-3B05-9445-8678-55BCFB76FA17}" type="slidenum">
               <a:rPr lang="it-IT" smtClean="0"/>
-              <a:t>‹#›</a:t>
+              <a:t>‹n.›</a:t>
             </a:fld>
             <a:endParaRPr lang="it-IT"/>
           </a:p>
@@ -1270,7 +1186,7 @@
           <a:p>
             <a:fld id="{433D94D8-B518-8E4D-9428-5C487BAC9E7C}" type="datetimeFigureOut">
               <a:rPr lang="it-IT" smtClean="0"/>
-              <a:t>28/05/2017</a:t>
+              <a:t>28/05/17</a:t>
             </a:fld>
             <a:endParaRPr lang="it-IT"/>
           </a:p>
@@ -1312,7 +1228,7 @@
           <a:p>
             <a:fld id="{A0186AE1-3B05-9445-8678-55BCFB76FA17}" type="slidenum">
               <a:rPr lang="it-IT" smtClean="0"/>
-              <a:t>‹#›</a:t>
+              <a:t>‹n.›</a:t>
             </a:fld>
             <a:endParaRPr lang="it-IT"/>
           </a:p>
@@ -1438,7 +1354,7 @@
           <a:p>
             <a:fld id="{433D94D8-B518-8E4D-9428-5C487BAC9E7C}" type="datetimeFigureOut">
               <a:rPr lang="it-IT" smtClean="0"/>
-              <a:t>28/05/2017</a:t>
+              <a:t>28/05/17</a:t>
             </a:fld>
             <a:endParaRPr lang="it-IT"/>
           </a:p>
@@ -1480,7 +1396,7 @@
           <a:p>
             <a:fld id="{A0186AE1-3B05-9445-8678-55BCFB76FA17}" type="slidenum">
               <a:rPr lang="it-IT" smtClean="0"/>
-              <a:t>‹#›</a:t>
+              <a:t>‹n.›</a:t>
             </a:fld>
             <a:endParaRPr lang="it-IT"/>
           </a:p>
@@ -1683,7 +1599,7 @@
           <a:p>
             <a:fld id="{433D94D8-B518-8E4D-9428-5C487BAC9E7C}" type="datetimeFigureOut">
               <a:rPr lang="it-IT" smtClean="0"/>
-              <a:t>28/05/2017</a:t>
+              <a:t>28/05/17</a:t>
             </a:fld>
             <a:endParaRPr lang="it-IT"/>
           </a:p>
@@ -1725,7 +1641,7 @@
           <a:p>
             <a:fld id="{A0186AE1-3B05-9445-8678-55BCFB76FA17}" type="slidenum">
               <a:rPr lang="it-IT" smtClean="0"/>
-              <a:t>‹#›</a:t>
+              <a:t>‹n.›</a:t>
             </a:fld>
             <a:endParaRPr lang="it-IT"/>
           </a:p>
@@ -1968,7 +1884,7 @@
           <a:p>
             <a:fld id="{433D94D8-B518-8E4D-9428-5C487BAC9E7C}" type="datetimeFigureOut">
               <a:rPr lang="it-IT" smtClean="0"/>
-              <a:t>28/05/2017</a:t>
+              <a:t>28/05/17</a:t>
             </a:fld>
             <a:endParaRPr lang="it-IT"/>
           </a:p>
@@ -2010,7 +1926,7 @@
           <a:p>
             <a:fld id="{A0186AE1-3B05-9445-8678-55BCFB76FA17}" type="slidenum">
               <a:rPr lang="it-IT" smtClean="0"/>
-              <a:t>‹#›</a:t>
+              <a:t>‹n.›</a:t>
             </a:fld>
             <a:endParaRPr lang="it-IT"/>
           </a:p>
@@ -2387,7 +2303,7 @@
           <a:p>
             <a:fld id="{433D94D8-B518-8E4D-9428-5C487BAC9E7C}" type="datetimeFigureOut">
               <a:rPr lang="it-IT" smtClean="0"/>
-              <a:t>28/05/2017</a:t>
+              <a:t>28/05/17</a:t>
             </a:fld>
             <a:endParaRPr lang="it-IT"/>
           </a:p>
@@ -2429,7 +2345,7 @@
           <a:p>
             <a:fld id="{A0186AE1-3B05-9445-8678-55BCFB76FA17}" type="slidenum">
               <a:rPr lang="it-IT" smtClean="0"/>
-              <a:t>‹#›</a:t>
+              <a:t>‹n.›</a:t>
             </a:fld>
             <a:endParaRPr lang="it-IT"/>
           </a:p>
@@ -2504,7 +2420,7 @@
           <a:p>
             <a:fld id="{433D94D8-B518-8E4D-9428-5C487BAC9E7C}" type="datetimeFigureOut">
               <a:rPr lang="it-IT" smtClean="0"/>
-              <a:t>28/05/2017</a:t>
+              <a:t>28/05/17</a:t>
             </a:fld>
             <a:endParaRPr lang="it-IT"/>
           </a:p>
@@ -2546,7 +2462,7 @@
           <a:p>
             <a:fld id="{A0186AE1-3B05-9445-8678-55BCFB76FA17}" type="slidenum">
               <a:rPr lang="it-IT" smtClean="0"/>
-              <a:t>‹#›</a:t>
+              <a:t>‹n.›</a:t>
             </a:fld>
             <a:endParaRPr lang="it-IT"/>
           </a:p>
@@ -2599,7 +2515,7 @@
           <a:p>
             <a:fld id="{433D94D8-B518-8E4D-9428-5C487BAC9E7C}" type="datetimeFigureOut">
               <a:rPr lang="it-IT" smtClean="0"/>
-              <a:t>28/05/2017</a:t>
+              <a:t>28/05/17</a:t>
             </a:fld>
             <a:endParaRPr lang="it-IT"/>
           </a:p>
@@ -2641,7 +2557,7 @@
           <a:p>
             <a:fld id="{A0186AE1-3B05-9445-8678-55BCFB76FA17}" type="slidenum">
               <a:rPr lang="it-IT" smtClean="0"/>
-              <a:t>‹#›</a:t>
+              <a:t>‹n.›</a:t>
             </a:fld>
             <a:endParaRPr lang="it-IT"/>
           </a:p>
@@ -2874,7 +2790,7 @@
           <a:p>
             <a:fld id="{433D94D8-B518-8E4D-9428-5C487BAC9E7C}" type="datetimeFigureOut">
               <a:rPr lang="it-IT" smtClean="0"/>
-              <a:t>28/05/2017</a:t>
+              <a:t>28/05/17</a:t>
             </a:fld>
             <a:endParaRPr lang="it-IT"/>
           </a:p>
@@ -2916,7 +2832,7 @@
           <a:p>
             <a:fld id="{A0186AE1-3B05-9445-8678-55BCFB76FA17}" type="slidenum">
               <a:rPr lang="it-IT" smtClean="0"/>
-              <a:t>‹#›</a:t>
+              <a:t>‹n.›</a:t>
             </a:fld>
             <a:endParaRPr lang="it-IT"/>
           </a:p>
@@ -3126,7 +3042,7 @@
           <a:p>
             <a:fld id="{433D94D8-B518-8E4D-9428-5C487BAC9E7C}" type="datetimeFigureOut">
               <a:rPr lang="it-IT" smtClean="0"/>
-              <a:t>28/05/2017</a:t>
+              <a:t>28/05/17</a:t>
             </a:fld>
             <a:endParaRPr lang="it-IT"/>
           </a:p>
@@ -3168,7 +3084,7 @@
           <a:p>
             <a:fld id="{A0186AE1-3B05-9445-8678-55BCFB76FA17}" type="slidenum">
               <a:rPr lang="it-IT" smtClean="0"/>
-              <a:t>‹#›</a:t>
+              <a:t>‹n.›</a:t>
             </a:fld>
             <a:endParaRPr lang="it-IT"/>
           </a:p>
@@ -3337,7 +3253,7 @@
           <a:p>
             <a:fld id="{433D94D8-B518-8E4D-9428-5C487BAC9E7C}" type="datetimeFigureOut">
               <a:rPr lang="it-IT" smtClean="0"/>
-              <a:t>28/05/2017</a:t>
+              <a:t>28/05/17</a:t>
             </a:fld>
             <a:endParaRPr lang="it-IT"/>
           </a:p>
@@ -3415,7 +3331,7 @@
           <a:p>
             <a:fld id="{A0186AE1-3B05-9445-8678-55BCFB76FA17}" type="slidenum">
               <a:rPr lang="it-IT" smtClean="0"/>
-              <a:t>‹#›</a:t>
+              <a:t>‹n.›</a:t>
             </a:fld>
             <a:endParaRPr lang="it-IT"/>
           </a:p>
@@ -4020,7 +3936,7 @@
                   <a:srgbClr val="660066"/>
                 </a:solidFill>
               </a:rPr>
-              <a:t>5/28/2017</a:t>
+              <a:t>28/05/17</a:t>
             </a:fld>
             <a:endParaRPr lang="it-IT" b="1" dirty="0">
               <a:solidFill>
@@ -4197,7 +4113,7 @@
           <a:p>
             <a:fld id="{B1253229-7213-8B4A-8845-FC7D050562D2}" type="datetime1">
               <a:rPr lang="en-US" smtClean="0"/>
-              <a:t>5/28/2017</a:t>
+              <a:t>28/05/17</a:t>
             </a:fld>
             <a:endParaRPr lang="it-IT"/>
           </a:p>
@@ -4293,6 +4209,13 @@
   <p:clrMapOvr>
     <a:masterClrMapping/>
   </p:clrMapOvr>
+  <p:timing>
+    <p:tnLst>
+      <p:par>
+        <p:cTn xmlns:p14="http://schemas.microsoft.com/office/powerpoint/2010/main" id="1" dur="indefinite" restart="never" nodeType="tmRoot"/>
+      </p:par>
+    </p:tnLst>
+  </p:timing>
 </p:sld>
 </file>
 
@@ -4390,7 +4313,7 @@
           <a:p>
             <a:fld id="{B1253229-7213-8B4A-8845-FC7D050562D2}" type="datetime1">
               <a:rPr lang="en-US" smtClean="0"/>
-              <a:t>5/28/2017</a:t>
+              <a:t>28/05/17</a:t>
             </a:fld>
             <a:endParaRPr lang="it-IT"/>
           </a:p>
@@ -4510,6 +4433,13 @@
   <p:clrMapOvr>
     <a:masterClrMapping/>
   </p:clrMapOvr>
+  <p:timing>
+    <p:tnLst>
+      <p:par>
+        <p:cTn xmlns:p14="http://schemas.microsoft.com/office/powerpoint/2010/main" id="1" dur="indefinite" restart="never" nodeType="tmRoot"/>
+      </p:par>
+    </p:tnLst>
+  </p:timing>
 </p:sld>
 </file>
 
@@ -4576,7 +4506,7 @@
           <a:p>
             <a:fld id="{389B9B3D-8C7C-D54F-A884-00F3C653EABC}" type="datetime1">
               <a:rPr lang="en-US" smtClean="0"/>
-              <a:t>5/28/2017</a:t>
+              <a:t>28/05/17</a:t>
             </a:fld>
             <a:endParaRPr lang="it-IT"/>
           </a:p>
@@ -4793,7 +4723,7 @@
         <p:spPr>
           <a:xfrm>
             <a:off x="127000" y="2243728"/>
-            <a:ext cx="5404556" cy="2062103"/>
+            <a:ext cx="5404556" cy="2554545"/>
           </a:xfrm>
           <a:prstGeom prst="rect">
             <a:avLst/>
@@ -4821,8 +4751,23 @@
             </a:pPr>
             <a:r>
               <a:rPr lang="en-US" sz="3200" dirty="0"/>
-              <a:t>Ascension day</a:t>
-            </a:r>
+              <a:t>Ascension </a:t>
+            </a:r>
+            <a:r>
+              <a:rPr lang="en-US" sz="3200" dirty="0" smtClean="0"/>
+              <a:t>day</a:t>
+            </a:r>
+          </a:p>
+          <a:p>
+            <a:pPr marL="285750" indent="-285750">
+              <a:buFont typeface="Arial"/>
+              <a:buChar char="•"/>
+            </a:pPr>
+            <a:r>
+              <a:rPr lang="en-US" sz="3200" dirty="0" smtClean="0"/>
+              <a:t>Costs definition</a:t>
+            </a:r>
+            <a:endParaRPr lang="en-US" sz="3200" dirty="0"/>
           </a:p>
           <a:p>
             <a:pPr marL="285750" indent="-285750">
@@ -4843,6 +4788,13 @@
   <p:clrMapOvr>
     <a:masterClrMapping/>
   </p:clrMapOvr>
+  <p:timing>
+    <p:tnLst>
+      <p:par>
+        <p:cTn xmlns:p14="http://schemas.microsoft.com/office/powerpoint/2010/main" id="1" dur="indefinite" restart="never" nodeType="tmRoot"/>
+      </p:par>
+    </p:tnLst>
+  </p:timing>
 </p:sld>
 </file>
 
@@ -4875,7 +4827,7 @@
         </p:nvSpPr>
         <p:spPr>
           <a:xfrm>
-            <a:off x="457199" y="2333979"/>
+            <a:off x="385232" y="3053646"/>
             <a:ext cx="8229600" cy="2435578"/>
           </a:xfrm>
         </p:spPr>
@@ -4897,9 +4849,37 @@
               <a:rPr lang="nl-NL" dirty="0">
                 <a:sym typeface="Wingdings" panose="05000000000000000000" pitchFamily="2" charset="2"/>
               </a:rPr>
-              <a:t> time to finish</a:t>
-            </a:r>
-            <a:endParaRPr lang="nl-NL" dirty="0"/>
+              <a:t> time </a:t>
+            </a:r>
+            <a:r>
+              <a:rPr lang="nl-NL" dirty="0" err="1">
+                <a:sym typeface="Wingdings" panose="05000000000000000000" pitchFamily="2" charset="2"/>
+              </a:rPr>
+              <a:t>to</a:t>
+            </a:r>
+            <a:r>
+              <a:rPr lang="nl-NL" dirty="0">
+                <a:sym typeface="Wingdings" panose="05000000000000000000" pitchFamily="2" charset="2"/>
+              </a:rPr>
+              <a:t> </a:t>
+            </a:r>
+            <a:r>
+              <a:rPr lang="nl-NL" dirty="0" smtClean="0">
+                <a:sym typeface="Wingdings" panose="05000000000000000000" pitchFamily="2" charset="2"/>
+              </a:rPr>
+              <a:t>finish</a:t>
+            </a:r>
+            <a:endParaRPr lang="nl-NL" dirty="0">
+              <a:sym typeface="Wingdings" panose="05000000000000000000" pitchFamily="2" charset="2"/>
+            </a:endParaRPr>
+          </a:p>
+          <a:p>
+            <a:pPr marL="0" indent="0">
+              <a:buNone/>
+            </a:pPr>
+            <a:endParaRPr lang="nl-NL" dirty="0" smtClean="0">
+              <a:sym typeface="Wingdings" panose="05000000000000000000" pitchFamily="2" charset="2"/>
+            </a:endParaRPr>
           </a:p>
         </p:txBody>
       </p:sp>
@@ -4920,7 +4900,7 @@
           <a:p>
             <a:fld id="{389B9B3D-8C7C-D54F-A884-00F3C653EABC}" type="datetime1">
               <a:rPr lang="en-US" smtClean="0"/>
-              <a:t>5/28/2017</a:t>
+              <a:t>28/05/17</a:t>
             </a:fld>
             <a:endParaRPr lang="it-IT"/>
           </a:p>
@@ -5157,6 +5137,13 @@
   <p:clrMapOvr>
     <a:masterClrMapping/>
   </p:clrMapOvr>
+  <p:timing>
+    <p:tnLst>
+      <p:par>
+        <p:cTn xmlns:p14="http://schemas.microsoft.com/office/powerpoint/2010/main" id="1" dur="indefinite" restart="never" nodeType="tmRoot"/>
+      </p:par>
+    </p:tnLst>
+  </p:timing>
 </p:sld>
 </file>
 
@@ -5224,7 +5211,7 @@
           <a:p>
             <a:fld id="{389B9B3D-8C7C-D54F-A884-00F3C653EABC}" type="datetime1">
               <a:rPr lang="en-US" smtClean="0"/>
-              <a:t>5/28/2017</a:t>
+              <a:t>28/05/17</a:t>
             </a:fld>
             <a:endParaRPr lang="it-IT" dirty="0"/>
           </a:p>
@@ -5445,8 +5432,8 @@
         </p:nvSpPr>
         <p:spPr>
           <a:xfrm>
-            <a:off x="141112" y="2064705"/>
-            <a:ext cx="5974644" cy="2062103"/>
+            <a:off x="797278" y="2509205"/>
+            <a:ext cx="5974644" cy="2308324"/>
           </a:xfrm>
           <a:prstGeom prst="rect">
             <a:avLst/>
@@ -5463,7 +5450,7 @@
               <a:buChar char="•"/>
             </a:pPr>
             <a:r>
-              <a:rPr lang="en-US" sz="3200" dirty="0"/>
+              <a:rPr lang="en-US" sz="3600" dirty="0"/>
               <a:t>Poster</a:t>
             </a:r>
           </a:p>
@@ -5473,9 +5460,10 @@
               <a:buChar char="•"/>
             </a:pPr>
             <a:r>
-              <a:rPr lang="en-US" sz="3200" dirty="0"/>
-              <a:t>Presentation</a:t>
-            </a:r>
+              <a:rPr lang="en-US" sz="3600" dirty="0" smtClean="0"/>
+              <a:t>Final presentation</a:t>
+            </a:r>
+            <a:endParaRPr lang="en-US" sz="3600" dirty="0"/>
           </a:p>
           <a:p>
             <a:pPr marL="285750" indent="-285750">
@@ -5483,7 +5471,7 @@
               <a:buChar char="•"/>
             </a:pPr>
             <a:r>
-              <a:rPr lang="en-US" sz="3200" dirty="0"/>
+              <a:rPr lang="en-US" sz="3600" dirty="0"/>
               <a:t>Report</a:t>
             </a:r>
           </a:p>
@@ -5493,7 +5481,7 @@
               <a:buChar char="•"/>
             </a:pPr>
             <a:r>
-              <a:rPr lang="en-US" sz="3200" dirty="0"/>
+              <a:rPr lang="en-US" sz="3600" dirty="0"/>
               <a:t>Finishing touches</a:t>
             </a:r>
           </a:p>
@@ -5512,7 +5500,7 @@
   <p:timing>
     <p:tnLst>
       <p:par>
-        <p:cTn id="1" dur="indefinite" restart="never" nodeType="tmRoot">
+        <p:cTn xmlns:p14="http://schemas.microsoft.com/office/powerpoint/2010/main" id="1" dur="indefinite" restart="never" nodeType="tmRoot">
           <p:childTnLst>
             <p:seq concurrent="1" nextAc="seek">
               <p:cTn id="2" dur="indefinite" nodeType="mainSeq">
@@ -5850,7 +5838,7 @@
           <a:p>
             <a:fld id="{389B9B3D-8C7C-D54F-A884-00F3C653EABC}" type="datetime1">
               <a:rPr lang="en-US" smtClean="0"/>
-              <a:t>5/28/2017</a:t>
+              <a:t>28/05/17</a:t>
             </a:fld>
             <a:endParaRPr lang="it-IT"/>
           </a:p>
@@ -6295,7 +6283,7 @@
           <a:noFill/>
           <a:extLst>
             <a:ext uri="{909E8E84-426E-40dd-AFC4-6F175D3DCCD1}">
-              <a14:hiddenFill xmlns="" xmlns:a14="http://schemas.microsoft.com/office/drawing/2010/main">
+              <a14:hiddenFill xmlns:a14="http://schemas.microsoft.com/office/drawing/2010/main">
                 <a:solidFill>
                   <a:srgbClr val="FFFFFF"/>
                 </a:solidFill>
@@ -6336,7 +6324,7 @@
           <a:noFill/>
           <a:extLst>
             <a:ext uri="{909E8E84-426E-40dd-AFC4-6F175D3DCCD1}">
-              <a14:hiddenFill xmlns="" xmlns:a14="http://schemas.microsoft.com/office/drawing/2010/main">
+              <a14:hiddenFill xmlns:a14="http://schemas.microsoft.com/office/drawing/2010/main">
                 <a:solidFill>
                   <a:srgbClr val="FFFFFF"/>
                 </a:solidFill>
@@ -6377,7 +6365,7 @@
           <a:noFill/>
           <a:extLst>
             <a:ext uri="{909E8E84-426E-40dd-AFC4-6F175D3DCCD1}">
-              <a14:hiddenFill xmlns="" xmlns:a14="http://schemas.microsoft.com/office/drawing/2010/main">
+              <a14:hiddenFill xmlns:a14="http://schemas.microsoft.com/office/drawing/2010/main">
                 <a:solidFill>
                   <a:srgbClr val="FFFFFF"/>
                 </a:solidFill>
@@ -6418,7 +6406,7 @@
           <a:noFill/>
           <a:extLst>
             <a:ext uri="{909E8E84-426E-40dd-AFC4-6F175D3DCCD1}">
-              <a14:hiddenFill xmlns="" xmlns:a14="http://schemas.microsoft.com/office/drawing/2010/main">
+              <a14:hiddenFill xmlns:a14="http://schemas.microsoft.com/office/drawing/2010/main">
                 <a:solidFill>
                   <a:srgbClr val="FFFFFF"/>
                 </a:solidFill>
@@ -6459,7 +6447,7 @@
           <a:noFill/>
           <a:extLst>
             <a:ext uri="{909E8E84-426E-40dd-AFC4-6F175D3DCCD1}">
-              <a14:hiddenFill xmlns="" xmlns:a14="http://schemas.microsoft.com/office/drawing/2010/main">
+              <a14:hiddenFill xmlns:a14="http://schemas.microsoft.com/office/drawing/2010/main">
                 <a:solidFill>
                   <a:srgbClr val="FFFFFF"/>
                 </a:solidFill>
@@ -6639,7 +6627,7 @@
           <a:p>
             <a:fld id="{FD9CA970-901F-FF41-95BB-674823E5C08C}" type="datetime1">
               <a:rPr lang="en-US" smtClean="0"/>
-              <a:t>5/28/2017</a:t>
+              <a:t>28/05/17</a:t>
             </a:fld>
             <a:endParaRPr lang="it-IT" dirty="0"/>
           </a:p>
@@ -6921,7 +6909,7 @@
           <a:p>
             <a:fld id="{F02F2850-09C1-F74D-AF74-E66AECAB6E77}" type="datetime1">
               <a:rPr lang="en-US" smtClean="0"/>
-              <a:t>5/28/2017</a:t>
+              <a:t>28/05/17</a:t>
             </a:fld>
             <a:endParaRPr lang="it-IT"/>
           </a:p>
@@ -7119,7 +7107,7 @@
           </a:prstGeom>
           <a:noFill/>
           <a:extLst>
-            <a:ext uri="{909E8E84-426E-40DD-AFC4-6F175D3DCCD1}">
+            <a:ext uri="{909E8E84-426E-40dd-AFC4-6F175D3DCCD1}">
               <a14:hiddenFill xmlns:a14="http://schemas.microsoft.com/office/drawing/2010/main">
                 <a:solidFill>
                   <a:srgbClr val="FFFFFF"/>
@@ -7266,7 +7254,7 @@
           <a:p>
             <a:fld id="{B1253229-7213-8B4A-8845-FC7D050562D2}" type="datetime1">
               <a:rPr lang="en-US" smtClean="0"/>
-              <a:t>5/28/2017</a:t>
+              <a:t>28/05/17</a:t>
             </a:fld>
             <a:endParaRPr lang="it-IT"/>
           </a:p>
@@ -7377,7 +7365,7 @@
         <p:spPr>
           <a:xfrm>
             <a:off x="3522032" y="2169080"/>
-            <a:ext cx="5621968" cy="3108543"/>
+            <a:ext cx="5621968" cy="3108544"/>
           </a:xfrm>
           <a:prstGeom prst="rect">
             <a:avLst/>
@@ -7394,9 +7382,20 @@
               <a:buChar char="•"/>
             </a:pPr>
             <a:r>
-              <a:rPr lang="en-GB" sz="2800" dirty="0"/>
-              <a:t>Secondary process of the GCS and its cost</a:t>
-            </a:r>
+              <a:rPr lang="en-GB" sz="2800" dirty="0" smtClean="0"/>
+              <a:t>Process costs</a:t>
+            </a:r>
+          </a:p>
+          <a:p>
+            <a:pPr marL="742950" lvl="1" indent="-285750">
+              <a:buFont typeface="Arial"/>
+              <a:buChar char="•"/>
+            </a:pPr>
+            <a:r>
+              <a:rPr lang="en-GB" sz="2800" dirty="0" smtClean="0"/>
+              <a:t>Investment analysis</a:t>
+            </a:r>
+            <a:endParaRPr lang="en-GB" sz="2800" dirty="0"/>
           </a:p>
           <a:p>
             <a:pPr marL="742950" lvl="1" indent="-285750">
@@ -7447,6 +7446,13 @@
   <p:clrMapOvr>
     <a:masterClrMapping/>
   </p:clrMapOvr>
+  <p:timing>
+    <p:tnLst>
+      <p:par>
+        <p:cTn xmlns:p14="http://schemas.microsoft.com/office/powerpoint/2010/main" id="1" dur="indefinite" restart="never" nodeType="tmRoot"/>
+      </p:par>
+    </p:tnLst>
+  </p:timing>
 </p:sld>
 </file>
 
@@ -7469,7 +7475,7 @@
       </p:grpSpPr>
       <p:pic>
         <p:nvPicPr>
-          <p:cNvPr id="4" name="Immagine 3" descr="iot1.png"/>
+          <p:cNvPr id="4" name="Immagine 3" descr="Fontys-Logo.png"/>
           <p:cNvPicPr>
             <a:picLocks noChangeAspect="1"/>
           </p:cNvPicPr>
@@ -7489,61 +7495,163 @@
         </p:blipFill>
         <p:spPr>
           <a:xfrm>
-            <a:off x="0" y="0"/>
-            <a:ext cx="10160490" cy="6858000"/>
+            <a:off x="7029036" y="0"/>
+            <a:ext cx="2114964" cy="1069114"/>
           </a:xfrm>
           <a:prstGeom prst="rect">
             <a:avLst/>
           </a:prstGeom>
         </p:spPr>
       </p:pic>
-      <p:sp>
-        <p:nvSpPr>
-          <p:cNvPr id="2" name="Per 1"/>
-          <p:cNvSpPr/>
+      <p:cxnSp>
+        <p:nvCxnSpPr>
+          <p:cNvPr id="5" name="Connettore 1 4"/>
+          <p:cNvCxnSpPr/>
           <p:nvPr/>
-        </p:nvSpPr>
-        <p:spPr>
-          <a:xfrm>
-            <a:off x="1305341" y="2134580"/>
-            <a:ext cx="8220118" cy="2099298"/>
-          </a:xfrm>
-          <a:prstGeom prst="mathMultiply">
-            <a:avLst>
-              <a:gd name="adj1" fmla="val 4192"/>
-            </a:avLst>
+        </p:nvCxnSpPr>
+        <p:spPr>
+          <a:xfrm flipH="1">
+            <a:off x="0" y="1069114"/>
+            <a:ext cx="9144000" cy="0"/>
+          </a:xfrm>
+          <a:prstGeom prst="line">
+            <a:avLst/>
           </a:prstGeom>
-          <a:solidFill>
-            <a:srgbClr val="FF0000"/>
-          </a:solidFill>
         </p:spPr>
         <p:style>
-          <a:lnRef idx="1">
-            <a:schemeClr val="accent1"/>
+          <a:lnRef idx="2">
+            <a:schemeClr val="accent4"/>
           </a:lnRef>
-          <a:fillRef idx="3">
-            <a:schemeClr val="accent1"/>
+          <a:fillRef idx="0">
+            <a:schemeClr val="accent4"/>
           </a:fillRef>
-          <a:effectRef idx="2">
-            <a:schemeClr val="accent1"/>
+          <a:effectRef idx="1">
+            <a:schemeClr val="accent4"/>
           </a:effectRef>
           <a:fontRef idx="minor">
-            <a:schemeClr val="lt1"/>
+            <a:schemeClr val="tx1"/>
           </a:fontRef>
         </p:style>
-        <p:txBody>
-          <a:bodyPr rtlCol="0" anchor="ctr"/>
+      </p:cxnSp>
+      <p:sp>
+        <p:nvSpPr>
+          <p:cNvPr id="6" name="Titolo 1"/>
+          <p:cNvSpPr txBox="1">
+            <a:spLocks/>
+          </p:cNvSpPr>
+          <p:nvPr/>
+        </p:nvSpPr>
+        <p:spPr>
+          <a:xfrm>
+            <a:off x="457200" y="274638"/>
+            <a:ext cx="4721578" cy="794476"/>
+          </a:xfrm>
+          <a:prstGeom prst="rect">
+            <a:avLst/>
+          </a:prstGeom>
+        </p:spPr>
+        <p:txBody>
+          <a:bodyPr vert="horz" lIns="91440" tIns="45720" rIns="91440" bIns="45720" rtlCol="0" anchor="ctr">
+            <a:normAutofit/>
+          </a:bodyPr>
+          <a:lstStyle>
+            <a:lvl1pPr algn="ctr" defTabSz="457200" rtl="0" eaLnBrk="1" latinLnBrk="0" hangingPunct="1">
+              <a:spcBef>
+                <a:spcPct val="0"/>
+              </a:spcBef>
+              <a:buNone/>
+              <a:defRPr sz="4400" kern="1200">
+                <a:solidFill>
+                  <a:schemeClr val="tx1"/>
+                </a:solidFill>
+                <a:latin typeface="+mj-lt"/>
+                <a:ea typeface="+mj-ea"/>
+                <a:cs typeface="+mj-cs"/>
+              </a:defRPr>
+            </a:lvl1pPr>
+          </a:lstStyle>
+          <a:p>
+            <a:r>
+              <a:rPr lang="nl-NL" b="1" dirty="0" err="1" smtClean="0">
+                <a:solidFill>
+                  <a:srgbClr val="660066"/>
+                </a:solidFill>
+              </a:rPr>
+              <a:t>Results</a:t>
+            </a:r>
+            <a:endParaRPr lang="it-IT" b="1" dirty="0">
+              <a:solidFill>
+                <a:srgbClr val="660066"/>
+              </a:solidFill>
+            </a:endParaRPr>
+          </a:p>
+        </p:txBody>
+      </p:sp>
+      <p:pic>
+        <p:nvPicPr>
+          <p:cNvPr id="10" name="Immagine 9"/>
+          <p:cNvPicPr>
+            <a:picLocks noChangeAspect="1"/>
+          </p:cNvPicPr>
+          <p:nvPr/>
+        </p:nvPicPr>
+        <p:blipFill rotWithShape="1">
+          <a:blip r:embed="rId3"/>
+          <a:srcRect t="10327"/>
+          <a:stretch/>
+        </p:blipFill>
+        <p:spPr>
+          <a:xfrm>
+            <a:off x="-21167" y="2624667"/>
+            <a:ext cx="9144000" cy="3091982"/>
+          </a:xfrm>
+          <a:prstGeom prst="rect">
+            <a:avLst/>
+          </a:prstGeom>
+        </p:spPr>
+      </p:pic>
+      <p:sp>
+        <p:nvSpPr>
+          <p:cNvPr id="11" name="CasellaDiTesto 10"/>
+          <p:cNvSpPr txBox="1"/>
+          <p:nvPr/>
+        </p:nvSpPr>
+        <p:spPr>
+          <a:xfrm>
+            <a:off x="2899833" y="1708834"/>
+            <a:ext cx="3019151" cy="646331"/>
+          </a:xfrm>
+          <a:prstGeom prst="rect">
+            <a:avLst/>
+          </a:prstGeom>
+          <a:noFill/>
+        </p:spPr>
+        <p:txBody>
+          <a:bodyPr wrap="none" rtlCol="0">
+            <a:spAutoFit/>
+          </a:bodyPr>
           <a:lstStyle/>
           <a:p>
-            <a:pPr algn="ctr"/>
-            <a:endParaRPr lang="it-IT"/>
+            <a:r>
+              <a:rPr lang="it-IT" sz="3200" b="1" dirty="0" smtClean="0"/>
+              <a:t>Impact</a:t>
+            </a:r>
+            <a:r>
+              <a:rPr lang="it-IT" sz="3600" b="1" dirty="0" smtClean="0"/>
+              <a:t> </a:t>
+            </a:r>
+            <a:r>
+              <a:rPr lang="it-IT" sz="3200" b="1" dirty="0" smtClean="0"/>
+              <a:t>solutions</a:t>
+            </a:r>
+            <a:endParaRPr lang="it-IT" sz="3200" b="1" dirty="0"/>
           </a:p>
         </p:txBody>
       </p:sp>
     </p:spTree>
     <p:extLst>
       <p:ext uri="{BB962C8B-B14F-4D97-AF65-F5344CB8AC3E}">
-        <p14:creationId xmlns:p14="http://schemas.microsoft.com/office/powerpoint/2010/main" val="2733368124"/>
+        <p14:creationId xmlns:p14="http://schemas.microsoft.com/office/powerpoint/2010/main" val="1689501498"/>
       </p:ext>
     </p:extLst>
   </p:cSld>
@@ -7553,340 +7661,14 @@
   <p:timing>
     <p:tnLst>
       <p:par>
-        <p:cTn id="1" dur="indefinite" restart="never" nodeType="tmRoot">
-          <p:childTnLst>
-            <p:seq concurrent="1" nextAc="seek">
-              <p:cTn id="2" dur="indefinite" nodeType="mainSeq">
-                <p:childTnLst>
-                  <p:par>
-                    <p:cTn id="3" fill="hold">
-                      <p:stCondLst>
-                        <p:cond delay="indefinite"/>
-                      </p:stCondLst>
-                      <p:childTnLst>
-                        <p:par>
-                          <p:cTn id="4" fill="hold">
-                            <p:stCondLst>
-                              <p:cond delay="0"/>
-                            </p:stCondLst>
-                            <p:childTnLst>
-                              <p:par>
-                                <p:cTn id="5" presetID="9" presetClass="entr" presetSubtype="0" fill="hold" grpId="0" nodeType="clickEffect">
-                                  <p:stCondLst>
-                                    <p:cond delay="0"/>
-                                  </p:stCondLst>
-                                  <p:childTnLst>
-                                    <p:set>
-                                      <p:cBhvr>
-                                        <p:cTn id="6" dur="1" fill="hold">
-                                          <p:stCondLst>
-                                            <p:cond delay="0"/>
-                                          </p:stCondLst>
-                                        </p:cTn>
-                                        <p:tgtEl>
-                                          <p:spTgt spid="2"/>
-                                        </p:tgtEl>
-                                        <p:attrNameLst>
-                                          <p:attrName>style.visibility</p:attrName>
-                                        </p:attrNameLst>
-                                      </p:cBhvr>
-                                      <p:to>
-                                        <p:strVal val="visible"/>
-                                      </p:to>
-                                    </p:set>
-                                    <p:animEffect transition="in" filter="dissolve">
-                                      <p:cBhvr>
-                                        <p:cTn id="7" dur="500"/>
-                                        <p:tgtEl>
-                                          <p:spTgt spid="2"/>
-                                        </p:tgtEl>
-                                      </p:cBhvr>
-                                    </p:animEffect>
-                                  </p:childTnLst>
-                                </p:cTn>
-                              </p:par>
-                            </p:childTnLst>
-                          </p:cTn>
-                        </p:par>
-                      </p:childTnLst>
-                    </p:cTn>
-                  </p:par>
-                </p:childTnLst>
-              </p:cTn>
-              <p:prevCondLst>
-                <p:cond evt="onPrev" delay="0">
-                  <p:tgtEl>
-                    <p:sldTgt/>
-                  </p:tgtEl>
-                </p:cond>
-              </p:prevCondLst>
-              <p:nextCondLst>
-                <p:cond evt="onNext" delay="0">
-                  <p:tgtEl>
-                    <p:sldTgt/>
-                  </p:tgtEl>
-                </p:cond>
-              </p:nextCondLst>
-            </p:seq>
-          </p:childTnLst>
-        </p:cTn>
+        <p:cTn xmlns:p14="http://schemas.microsoft.com/office/powerpoint/2010/main" id="1" dur="indefinite" restart="never" nodeType="tmRoot"/>
       </p:par>
     </p:tnLst>
-    <p:bldLst>
-      <p:bldP spid="2" grpId="0" animBg="1"/>
-    </p:bldLst>
   </p:timing>
 </p:sld>
 </file>
 
 <file path=ppt/slides/slide7.xml><?xml version="1.0" encoding="utf-8"?>
-<p:sld xmlns:a="http://schemas.openxmlformats.org/drawingml/2006/main" xmlns:r="http://schemas.openxmlformats.org/officeDocument/2006/relationships" xmlns:p="http://schemas.openxmlformats.org/presentationml/2006/main">
-  <p:cSld>
-    <p:spTree>
-      <p:nvGrpSpPr>
-        <p:cNvPr id="1" name=""/>
-        <p:cNvGrpSpPr/>
-        <p:nvPr/>
-      </p:nvGrpSpPr>
-      <p:grpSpPr>
-        <a:xfrm>
-          <a:off x="0" y="0"/>
-          <a:ext cx="0" cy="0"/>
-          <a:chOff x="0" y="0"/>
-          <a:chExt cx="0" cy="0"/>
-        </a:xfrm>
-      </p:grpSpPr>
-      <p:pic>
-        <p:nvPicPr>
-          <p:cNvPr id="4" name="Segnaposto contenuto 3" descr="iot2-2.png"/>
-          <p:cNvPicPr>
-            <a:picLocks noGrp="1" noChangeAspect="1"/>
-          </p:cNvPicPr>
-          <p:nvPr>
-            <p:ph idx="1"/>
-          </p:nvPr>
-        </p:nvPicPr>
-        <p:blipFill rotWithShape="1">
-          <a:blip r:embed="rId2">
-            <a:extLst>
-              <a:ext uri="{28A0092B-C50C-407E-A947-70E740481C1C}">
-                <a14:useLocalDpi xmlns:a14="http://schemas.microsoft.com/office/drawing/2010/main" val="0"/>
-              </a:ext>
-            </a:extLst>
-          </a:blip>
-          <a:srcRect t="-6179" b="-1254"/>
-          <a:stretch/>
-        </p:blipFill>
-        <p:spPr>
-          <a:xfrm>
-            <a:off x="153280" y="0"/>
-            <a:ext cx="8990720" cy="6858000"/>
-          </a:xfrm>
-        </p:spPr>
-      </p:pic>
-    </p:spTree>
-    <p:extLst>
-      <p:ext uri="{BB962C8B-B14F-4D97-AF65-F5344CB8AC3E}">
-        <p14:creationId xmlns:p14="http://schemas.microsoft.com/office/powerpoint/2010/main" val="2620469583"/>
-      </p:ext>
-    </p:extLst>
-  </p:cSld>
-  <p:clrMapOvr>
-    <a:masterClrMapping/>
-  </p:clrMapOvr>
-</p:sld>
-</file>
-
-<file path=ppt/slides/slide8.xml><?xml version="1.0" encoding="utf-8"?>
-<p:sld xmlns:a="http://schemas.openxmlformats.org/drawingml/2006/main" xmlns:r="http://schemas.openxmlformats.org/officeDocument/2006/relationships" xmlns:p="http://schemas.openxmlformats.org/presentationml/2006/main">
-  <p:cSld>
-    <p:spTree>
-      <p:nvGrpSpPr>
-        <p:cNvPr id="1" name=""/>
-        <p:cNvGrpSpPr/>
-        <p:nvPr/>
-      </p:nvGrpSpPr>
-      <p:grpSpPr>
-        <a:xfrm>
-          <a:off x="0" y="0"/>
-          <a:ext cx="0" cy="0"/>
-          <a:chOff x="0" y="0"/>
-          <a:chExt cx="0" cy="0"/>
-        </a:xfrm>
-      </p:grpSpPr>
-      <p:pic>
-        <p:nvPicPr>
-          <p:cNvPr id="6" name="Immagine 5" descr="Untitled Diagram.png"/>
-          <p:cNvPicPr>
-            <a:picLocks noChangeAspect="1"/>
-          </p:cNvPicPr>
-          <p:nvPr/>
-        </p:nvPicPr>
-        <p:blipFill>
-          <a:blip r:embed="rId3">
-            <a:extLst>
-              <a:ext uri="{28A0092B-C50C-407E-A947-70E740481C1C}">
-                <a14:useLocalDpi xmlns:a14="http://schemas.microsoft.com/office/drawing/2010/main" val="0"/>
-              </a:ext>
-            </a:extLst>
-          </a:blip>
-          <a:stretch>
-            <a:fillRect/>
-          </a:stretch>
-        </p:blipFill>
-        <p:spPr>
-          <a:xfrm>
-            <a:off x="0" y="-490440"/>
-            <a:ext cx="9144000" cy="6598763"/>
-          </a:xfrm>
-          <a:prstGeom prst="rect">
-            <a:avLst/>
-          </a:prstGeom>
-        </p:spPr>
-      </p:pic>
-      <p:sp>
-        <p:nvSpPr>
-          <p:cNvPr id="7" name="Per 6"/>
-          <p:cNvSpPr/>
-          <p:nvPr/>
-        </p:nvSpPr>
-        <p:spPr>
-          <a:xfrm>
-            <a:off x="211677" y="1287805"/>
-            <a:ext cx="9172665" cy="3687002"/>
-          </a:xfrm>
-          <a:prstGeom prst="mathMultiply">
-            <a:avLst>
-              <a:gd name="adj1" fmla="val 4192"/>
-            </a:avLst>
-          </a:prstGeom>
-          <a:solidFill>
-            <a:srgbClr val="FF0000"/>
-          </a:solidFill>
-        </p:spPr>
-        <p:style>
-          <a:lnRef idx="1">
-            <a:schemeClr val="accent1"/>
-          </a:lnRef>
-          <a:fillRef idx="3">
-            <a:schemeClr val="accent1"/>
-          </a:fillRef>
-          <a:effectRef idx="2">
-            <a:schemeClr val="accent1"/>
-          </a:effectRef>
-          <a:fontRef idx="minor">
-            <a:schemeClr val="lt1"/>
-          </a:fontRef>
-        </p:style>
-        <p:txBody>
-          <a:bodyPr rtlCol="0" anchor="ctr"/>
-          <a:lstStyle/>
-          <a:p>
-            <a:pPr algn="ctr"/>
-            <a:endParaRPr lang="it-IT"/>
-          </a:p>
-        </p:txBody>
-      </p:sp>
-    </p:spTree>
-    <p:extLst>
-      <p:ext uri="{BB962C8B-B14F-4D97-AF65-F5344CB8AC3E}">
-        <p14:creationId xmlns:p14="http://schemas.microsoft.com/office/powerpoint/2010/main" val="1912051606"/>
-      </p:ext>
-    </p:extLst>
-  </p:cSld>
-  <p:clrMapOvr>
-    <a:masterClrMapping/>
-  </p:clrMapOvr>
-  <p:timing>
-    <p:tnLst>
-      <p:par>
-        <p:cTn id="1" dur="indefinite" restart="never" nodeType="tmRoot">
-          <p:childTnLst>
-            <p:seq concurrent="1" nextAc="seek">
-              <p:cTn id="2" dur="indefinite" nodeType="mainSeq">
-                <p:childTnLst>
-                  <p:par>
-                    <p:cTn id="3" fill="hold">
-                      <p:stCondLst>
-                        <p:cond delay="indefinite"/>
-                      </p:stCondLst>
-                      <p:childTnLst>
-                        <p:par>
-                          <p:cTn id="4" fill="hold">
-                            <p:stCondLst>
-                              <p:cond delay="0"/>
-                            </p:stCondLst>
-                            <p:childTnLst>
-                              <p:par>
-                                <p:cTn id="5" presetID="9" presetClass="entr" presetSubtype="0" fill="hold" grpId="0" nodeType="clickEffect">
-                                  <p:stCondLst>
-                                    <p:cond delay="0"/>
-                                  </p:stCondLst>
-                                  <p:childTnLst>
-                                    <p:set>
-                                      <p:cBhvr>
-                                        <p:cTn id="6" dur="1" fill="hold">
-                                          <p:stCondLst>
-                                            <p:cond delay="0"/>
-                                          </p:stCondLst>
-                                        </p:cTn>
-                                        <p:tgtEl>
-                                          <p:spTgt spid="7"/>
-                                        </p:tgtEl>
-                                        <p:attrNameLst>
-                                          <p:attrName>style.visibility</p:attrName>
-                                        </p:attrNameLst>
-                                      </p:cBhvr>
-                                      <p:to>
-                                        <p:strVal val="visible"/>
-                                      </p:to>
-                                    </p:set>
-                                    <p:animEffect transition="in" filter="dissolve">
-                                      <p:cBhvr>
-                                        <p:cTn id="7" dur="500"/>
-                                        <p:tgtEl>
-                                          <p:spTgt spid="7"/>
-                                        </p:tgtEl>
-                                      </p:cBhvr>
-                                    </p:animEffect>
-                                  </p:childTnLst>
-                                </p:cTn>
-                              </p:par>
-                            </p:childTnLst>
-                          </p:cTn>
-                        </p:par>
-                      </p:childTnLst>
-                    </p:cTn>
-                  </p:par>
-                </p:childTnLst>
-              </p:cTn>
-              <p:prevCondLst>
-                <p:cond evt="onPrev" delay="0">
-                  <p:tgtEl>
-                    <p:sldTgt/>
-                  </p:tgtEl>
-                </p:cond>
-              </p:prevCondLst>
-              <p:nextCondLst>
-                <p:cond evt="onNext" delay="0">
-                  <p:tgtEl>
-                    <p:sldTgt/>
-                  </p:tgtEl>
-                </p:cond>
-              </p:nextCondLst>
-            </p:seq>
-          </p:childTnLst>
-        </p:cTn>
-      </p:par>
-    </p:tnLst>
-    <p:bldLst>
-      <p:bldP spid="7" grpId="0" animBg="1"/>
-    </p:bldLst>
-  </p:timing>
-</p:sld>
-</file>
-
-<file path=ppt/slides/slide9.xml><?xml version="1.0" encoding="utf-8"?>
 <p:sld xmlns:a="http://schemas.openxmlformats.org/drawingml/2006/main" xmlns:r="http://schemas.openxmlformats.org/officeDocument/2006/relationships" xmlns:p="http://schemas.openxmlformats.org/presentationml/2006/main">
   <p:cSld>
     <p:spTree>
@@ -8002,28 +7784,12 @@
           </a:lstStyle>
           <a:p>
             <a:r>
-              <a:rPr lang="nl-NL" b="1" dirty="0" err="1">
+              <a:rPr lang="nl-NL" b="1" dirty="0" err="1" smtClean="0">
                 <a:solidFill>
                   <a:srgbClr val="660066"/>
                 </a:solidFill>
               </a:rPr>
-              <a:t>Process</a:t>
-            </a:r>
-            <a:r>
-              <a:rPr lang="nl-NL" b="1" dirty="0">
-                <a:solidFill>
-                  <a:srgbClr val="660066"/>
-                </a:solidFill>
-              </a:rPr>
-              <a:t> </a:t>
-            </a:r>
-            <a:r>
-              <a:rPr lang="nl-NL" b="1" dirty="0" err="1">
-                <a:solidFill>
-                  <a:srgbClr val="660066"/>
-                </a:solidFill>
-              </a:rPr>
-              <a:t>cost</a:t>
+              <a:t>Results</a:t>
             </a:r>
             <a:endParaRPr lang="it-IT" b="1" dirty="0">
               <a:solidFill>
@@ -8033,92 +7799,217 @@
           </a:p>
         </p:txBody>
       </p:sp>
-      <p:sp>
-        <p:nvSpPr>
-          <p:cNvPr id="5" name="Rettangolo 4"/>
-          <p:cNvSpPr/>
+      <p:pic>
+        <p:nvPicPr>
+          <p:cNvPr id="6" name="Immagine 5"/>
+          <p:cNvPicPr>
+            <a:picLocks noChangeAspect="1"/>
+          </p:cNvPicPr>
           <p:nvPr/>
-        </p:nvSpPr>
-        <p:spPr>
-          <a:xfrm>
-            <a:off x="-324254" y="2350508"/>
-            <a:ext cx="4243110" cy="2677656"/>
+        </p:nvPicPr>
+        <p:blipFill>
+          <a:blip r:embed="rId3"/>
+          <a:stretch>
+            <a:fillRect/>
+          </a:stretch>
+        </p:blipFill>
+        <p:spPr>
+          <a:xfrm>
+            <a:off x="194733" y="1537653"/>
+            <a:ext cx="8716434" cy="4685347"/>
           </a:xfrm>
           <a:prstGeom prst="rect">
             <a:avLst/>
           </a:prstGeom>
         </p:spPr>
-        <p:txBody>
-          <a:bodyPr wrap="square">
-            <a:spAutoFit/>
+      </p:pic>
+    </p:spTree>
+    <p:extLst>
+      <p:ext uri="{BB962C8B-B14F-4D97-AF65-F5344CB8AC3E}">
+        <p14:creationId xmlns:p14="http://schemas.microsoft.com/office/powerpoint/2010/main" val="381952677"/>
+      </p:ext>
+    </p:extLst>
+  </p:cSld>
+  <p:clrMapOvr>
+    <a:masterClrMapping/>
+  </p:clrMapOvr>
+  <p:timing>
+    <p:tnLst>
+      <p:par>
+        <p:cTn xmlns:p14="http://schemas.microsoft.com/office/powerpoint/2010/main" id="1" dur="indefinite" restart="never" nodeType="tmRoot"/>
+      </p:par>
+    </p:tnLst>
+  </p:timing>
+</p:sld>
+</file>
+
+<file path=ppt/slides/slide8.xml><?xml version="1.0" encoding="utf-8"?>
+<p:sld xmlns:a="http://schemas.openxmlformats.org/drawingml/2006/main" xmlns:r="http://schemas.openxmlformats.org/officeDocument/2006/relationships" xmlns:p="http://schemas.openxmlformats.org/presentationml/2006/main">
+  <p:cSld>
+    <p:spTree>
+      <p:nvGrpSpPr>
+        <p:cNvPr id="1" name=""/>
+        <p:cNvGrpSpPr/>
+        <p:nvPr/>
+      </p:nvGrpSpPr>
+      <p:grpSpPr>
+        <a:xfrm>
+          <a:off x="0" y="0"/>
+          <a:ext cx="0" cy="0"/>
+          <a:chOff x="0" y="0"/>
+          <a:chExt cx="0" cy="0"/>
+        </a:xfrm>
+      </p:grpSpPr>
+      <p:pic>
+        <p:nvPicPr>
+          <p:cNvPr id="4" name="Immagine 3" descr="Fontys-Logo.png"/>
+          <p:cNvPicPr>
+            <a:picLocks noChangeAspect="1"/>
+          </p:cNvPicPr>
+          <p:nvPr/>
+        </p:nvPicPr>
+        <p:blipFill>
+          <a:blip r:embed="rId2">
+            <a:extLst>
+              <a:ext uri="{28A0092B-C50C-407E-A947-70E740481C1C}">
+                <a14:useLocalDpi xmlns:a14="http://schemas.microsoft.com/office/drawing/2010/main" val="0"/>
+              </a:ext>
+            </a:extLst>
+          </a:blip>
+          <a:stretch>
+            <a:fillRect/>
+          </a:stretch>
+        </p:blipFill>
+        <p:spPr>
+          <a:xfrm>
+            <a:off x="7029036" y="0"/>
+            <a:ext cx="2114964" cy="1069114"/>
+          </a:xfrm>
+          <a:prstGeom prst="rect">
+            <a:avLst/>
+          </a:prstGeom>
+        </p:spPr>
+      </p:pic>
+      <p:cxnSp>
+        <p:nvCxnSpPr>
+          <p:cNvPr id="5" name="Connettore 1 4"/>
+          <p:cNvCxnSpPr/>
+          <p:nvPr/>
+        </p:nvCxnSpPr>
+        <p:spPr>
+          <a:xfrm flipH="1">
+            <a:off x="0" y="1069114"/>
+            <a:ext cx="9144000" cy="0"/>
+          </a:xfrm>
+          <a:prstGeom prst="line">
+            <a:avLst/>
+          </a:prstGeom>
+        </p:spPr>
+        <p:style>
+          <a:lnRef idx="2">
+            <a:schemeClr val="accent4"/>
+          </a:lnRef>
+          <a:fillRef idx="0">
+            <a:schemeClr val="accent4"/>
+          </a:fillRef>
+          <a:effectRef idx="1">
+            <a:schemeClr val="accent4"/>
+          </a:effectRef>
+          <a:fontRef idx="minor">
+            <a:schemeClr val="tx1"/>
+          </a:fontRef>
+        </p:style>
+      </p:cxnSp>
+      <p:sp>
+        <p:nvSpPr>
+          <p:cNvPr id="6" name="Titolo 1"/>
+          <p:cNvSpPr txBox="1">
+            <a:spLocks/>
+          </p:cNvSpPr>
+          <p:nvPr/>
+        </p:nvSpPr>
+        <p:spPr>
+          <a:xfrm>
+            <a:off x="457200" y="274638"/>
+            <a:ext cx="4721578" cy="794476"/>
+          </a:xfrm>
+          <a:prstGeom prst="rect">
+            <a:avLst/>
+          </a:prstGeom>
+        </p:spPr>
+        <p:txBody>
+          <a:bodyPr vert="horz" lIns="91440" tIns="45720" rIns="91440" bIns="45720" rtlCol="0" anchor="ctr">
+            <a:normAutofit/>
           </a:bodyPr>
-          <a:lstStyle/>
-          <a:p>
-            <a:pPr marL="742950" lvl="1" indent="-285750">
-              <a:buFont typeface="Arial"/>
-              <a:buChar char="•"/>
-            </a:pPr>
-            <a:r>
-              <a:rPr lang="en-GB" sz="2800" dirty="0"/>
-              <a:t>Truck costs (i.e. fuel)</a:t>
-            </a:r>
-          </a:p>
-          <a:p>
-            <a:pPr marL="742950" lvl="1" indent="-285750">
-              <a:buFont typeface="Arial"/>
-              <a:buChar char="•"/>
-            </a:pPr>
-            <a:r>
-              <a:rPr lang="en-GB" sz="2800" dirty="0"/>
-              <a:t>Truck driver</a:t>
-            </a:r>
-          </a:p>
-          <a:p>
-            <a:pPr marL="742950" lvl="1" indent="-285750">
-              <a:buFont typeface="Arial"/>
-              <a:buChar char="•"/>
-            </a:pPr>
-            <a:r>
-              <a:rPr lang="en-GB" sz="2800" dirty="0"/>
-              <a:t>‘</a:t>
-            </a:r>
-            <a:r>
-              <a:rPr lang="en-GB" sz="2800" dirty="0" err="1"/>
-              <a:t>Handhaving</a:t>
-            </a:r>
-            <a:r>
-              <a:rPr lang="en-GB" sz="2800" dirty="0"/>
-              <a:t>’</a:t>
-            </a:r>
-          </a:p>
-          <a:p>
-            <a:pPr lvl="1"/>
-            <a:endParaRPr lang="en-GB" sz="2800" dirty="0"/>
-          </a:p>
-          <a:p>
-            <a:pPr marL="742950" lvl="1" indent="-285750">
-              <a:buFont typeface="Arial"/>
-              <a:buChar char="•"/>
-            </a:pPr>
-            <a:endParaRPr lang="en-GB" sz="2800" dirty="0"/>
-          </a:p>
-          <a:p>
-            <a:endParaRPr lang="en-GB" sz="2800" dirty="0"/>
-          </a:p>
-        </p:txBody>
-      </p:sp>
-      <p:sp>
-        <p:nvSpPr>
-          <p:cNvPr id="7" name="Freccia destra 6"/>
+          <a:lstStyle>
+            <a:lvl1pPr algn="ctr" defTabSz="457200" rtl="0" eaLnBrk="1" latinLnBrk="0" hangingPunct="1">
+              <a:spcBef>
+                <a:spcPct val="0"/>
+              </a:spcBef>
+              <a:buNone/>
+              <a:defRPr sz="4400" kern="1200">
+                <a:solidFill>
+                  <a:schemeClr val="tx1"/>
+                </a:solidFill>
+                <a:latin typeface="+mj-lt"/>
+                <a:ea typeface="+mj-ea"/>
+                <a:cs typeface="+mj-cs"/>
+              </a:defRPr>
+            </a:lvl1pPr>
+          </a:lstStyle>
+          <a:p>
+            <a:r>
+              <a:rPr lang="nl-NL" b="1" dirty="0" err="1" smtClean="0">
+                <a:solidFill>
+                  <a:srgbClr val="660066"/>
+                </a:solidFill>
+              </a:rPr>
+              <a:t>Results</a:t>
+            </a:r>
+            <a:endParaRPr lang="it-IT" b="1" dirty="0">
+              <a:solidFill>
+                <a:srgbClr val="660066"/>
+              </a:solidFill>
+            </a:endParaRPr>
+          </a:p>
+        </p:txBody>
+      </p:sp>
+      <p:pic>
+        <p:nvPicPr>
+          <p:cNvPr id="9" name="Immagine 8"/>
+          <p:cNvPicPr>
+            <a:picLocks noChangeAspect="1"/>
+          </p:cNvPicPr>
+          <p:nvPr/>
+        </p:nvPicPr>
+        <p:blipFill>
+          <a:blip r:embed="rId3"/>
+          <a:stretch>
+            <a:fillRect/>
+          </a:stretch>
+        </p:blipFill>
+        <p:spPr>
+          <a:xfrm>
+            <a:off x="414224" y="2074334"/>
+            <a:ext cx="4764554" cy="3340100"/>
+          </a:xfrm>
+          <a:prstGeom prst="rect">
+            <a:avLst/>
+          </a:prstGeom>
+        </p:spPr>
+      </p:pic>
+      <p:sp>
+        <p:nvSpPr>
+          <p:cNvPr id="10" name="Freccia sinistra 9"/>
           <p:cNvSpPr/>
           <p:nvPr/>
         </p:nvSpPr>
         <p:spPr>
           <a:xfrm>
-            <a:off x="2231571" y="4999696"/>
-            <a:ext cx="1486408" cy="484632"/>
-          </a:xfrm>
-          <a:prstGeom prst="rightArrow">
+            <a:off x="5052251" y="4778925"/>
+            <a:ext cx="988251" cy="305816"/>
+          </a:xfrm>
+          <a:prstGeom prst="leftArrow">
             <a:avLst/>
           </a:prstGeom>
         </p:spPr>
@@ -8145,9 +8036,643 @@
           </a:p>
         </p:txBody>
       </p:sp>
+      <p:sp>
+        <p:nvSpPr>
+          <p:cNvPr id="11" name="Freccia sinistra 10"/>
+          <p:cNvSpPr/>
+          <p:nvPr/>
+        </p:nvSpPr>
+        <p:spPr>
+          <a:xfrm>
+            <a:off x="5052252" y="3534325"/>
+            <a:ext cx="988250" cy="305816"/>
+          </a:xfrm>
+          <a:prstGeom prst="leftArrow">
+            <a:avLst/>
+          </a:prstGeom>
+        </p:spPr>
+        <p:style>
+          <a:lnRef idx="1">
+            <a:schemeClr val="accent1"/>
+          </a:lnRef>
+          <a:fillRef idx="3">
+            <a:schemeClr val="accent1"/>
+          </a:fillRef>
+          <a:effectRef idx="2">
+            <a:schemeClr val="accent1"/>
+          </a:effectRef>
+          <a:fontRef idx="minor">
+            <a:schemeClr val="lt1"/>
+          </a:fontRef>
+        </p:style>
+        <p:txBody>
+          <a:bodyPr rtlCol="0" anchor="ctr"/>
+          <a:lstStyle/>
+          <a:p>
+            <a:pPr algn="ctr"/>
+            <a:endParaRPr lang="it-IT"/>
+          </a:p>
+        </p:txBody>
+      </p:sp>
+      <p:sp>
+        <p:nvSpPr>
+          <p:cNvPr id="12" name="Freccia sinistra 11"/>
+          <p:cNvSpPr/>
+          <p:nvPr/>
+        </p:nvSpPr>
+        <p:spPr>
+          <a:xfrm>
+            <a:off x="5052252" y="4152391"/>
+            <a:ext cx="988250" cy="305816"/>
+          </a:xfrm>
+          <a:prstGeom prst="leftArrow">
+            <a:avLst/>
+          </a:prstGeom>
+        </p:spPr>
+        <p:style>
+          <a:lnRef idx="1">
+            <a:schemeClr val="accent1"/>
+          </a:lnRef>
+          <a:fillRef idx="3">
+            <a:schemeClr val="accent1"/>
+          </a:fillRef>
+          <a:effectRef idx="2">
+            <a:schemeClr val="accent1"/>
+          </a:effectRef>
+          <a:fontRef idx="minor">
+            <a:schemeClr val="lt1"/>
+          </a:fontRef>
+        </p:style>
+        <p:txBody>
+          <a:bodyPr rtlCol="0" anchor="ctr"/>
+          <a:lstStyle/>
+          <a:p>
+            <a:pPr algn="ctr"/>
+            <a:endParaRPr lang="it-IT"/>
+          </a:p>
+        </p:txBody>
+      </p:sp>
+      <p:sp>
+        <p:nvSpPr>
+          <p:cNvPr id="13" name="CasellaDiTesto 12"/>
+          <p:cNvSpPr txBox="1"/>
+          <p:nvPr/>
+        </p:nvSpPr>
+        <p:spPr>
+          <a:xfrm>
+            <a:off x="6171439" y="3378476"/>
+            <a:ext cx="415456" cy="461665"/>
+          </a:xfrm>
+          <a:prstGeom prst="rect">
+            <a:avLst/>
+          </a:prstGeom>
+          <a:noFill/>
+        </p:spPr>
+        <p:txBody>
+          <a:bodyPr wrap="none" rtlCol="0">
+            <a:spAutoFit/>
+          </a:bodyPr>
+          <a:lstStyle/>
+          <a:p>
+            <a:r>
+              <a:rPr lang="it-IT" sz="2400" b="1" dirty="0" smtClean="0">
+                <a:latin typeface="Avenir Black Oblique"/>
+                <a:cs typeface="Avenir Black Oblique"/>
+              </a:rPr>
+              <a:t>?</a:t>
+            </a:r>
+            <a:endParaRPr lang="it-IT" sz="2400" b="1" dirty="0">
+              <a:latin typeface="Avenir Black Oblique"/>
+              <a:cs typeface="Avenir Black Oblique"/>
+            </a:endParaRPr>
+          </a:p>
+        </p:txBody>
+      </p:sp>
+      <p:sp>
+        <p:nvSpPr>
+          <p:cNvPr id="14" name="CasellaDiTesto 13"/>
+          <p:cNvSpPr txBox="1"/>
+          <p:nvPr/>
+        </p:nvSpPr>
+        <p:spPr>
+          <a:xfrm>
+            <a:off x="6167500" y="4736590"/>
+            <a:ext cx="721021" cy="461665"/>
+          </a:xfrm>
+          <a:prstGeom prst="rect">
+            <a:avLst/>
+          </a:prstGeom>
+          <a:noFill/>
+        </p:spPr>
+        <p:txBody>
+          <a:bodyPr wrap="none" rtlCol="0">
+            <a:spAutoFit/>
+          </a:bodyPr>
+          <a:lstStyle/>
+          <a:p>
+            <a:r>
+              <a:rPr lang="it-IT" sz="2400" b="1" dirty="0"/>
+              <a:t>3</a:t>
+            </a:r>
+            <a:r>
+              <a:rPr lang="it-IT" sz="2400" b="1" dirty="0" smtClean="0"/>
+              <a:t>0%</a:t>
+            </a:r>
+            <a:endParaRPr lang="it-IT" sz="2400" b="1" dirty="0"/>
+          </a:p>
+        </p:txBody>
+      </p:sp>
+      <p:sp>
+        <p:nvSpPr>
+          <p:cNvPr id="15" name="CasellaDiTesto 14"/>
+          <p:cNvSpPr txBox="1"/>
+          <p:nvPr/>
+        </p:nvSpPr>
+        <p:spPr>
+          <a:xfrm>
+            <a:off x="6167500" y="4021433"/>
+            <a:ext cx="2732088" cy="461665"/>
+          </a:xfrm>
+          <a:prstGeom prst="rect">
+            <a:avLst/>
+          </a:prstGeom>
+          <a:noFill/>
+        </p:spPr>
+        <p:txBody>
+          <a:bodyPr wrap="none" rtlCol="0">
+            <a:spAutoFit/>
+          </a:bodyPr>
+          <a:lstStyle/>
+          <a:p>
+            <a:r>
+              <a:rPr lang="it-IT" sz="2400" b="1" dirty="0" smtClean="0"/>
+              <a:t>- </a:t>
+            </a:r>
+            <a:r>
+              <a:rPr lang="it-IT" sz="2400" b="1" dirty="0" err="1" smtClean="0"/>
+              <a:t>Contractual</a:t>
+            </a:r>
+            <a:r>
+              <a:rPr lang="it-IT" sz="2400" b="1" dirty="0" smtClean="0"/>
+              <a:t> </a:t>
+            </a:r>
+            <a:r>
+              <a:rPr lang="it-IT" sz="2400" b="1" dirty="0" err="1" smtClean="0"/>
+              <a:t>power</a:t>
+            </a:r>
+            <a:endParaRPr lang="it-IT" sz="2400" b="1" dirty="0"/>
+          </a:p>
+        </p:txBody>
+      </p:sp>
+    </p:spTree>
+    <p:extLst>
+      <p:ext uri="{BB962C8B-B14F-4D97-AF65-F5344CB8AC3E}">
+        <p14:creationId xmlns:p14="http://schemas.microsoft.com/office/powerpoint/2010/main" val="1265481873"/>
+      </p:ext>
+    </p:extLst>
+  </p:cSld>
+  <p:clrMapOvr>
+    <a:masterClrMapping/>
+  </p:clrMapOvr>
+  <p:timing>
+    <p:tnLst>
+      <p:par>
+        <p:cTn xmlns:p14="http://schemas.microsoft.com/office/powerpoint/2010/main" id="1" dur="indefinite" restart="never" nodeType="tmRoot">
+          <p:childTnLst>
+            <p:seq concurrent="1" nextAc="seek">
+              <p:cTn id="2" dur="indefinite" nodeType="mainSeq">
+                <p:childTnLst>
+                  <p:par>
+                    <p:cTn id="3" fill="hold">
+                      <p:stCondLst>
+                        <p:cond delay="indefinite"/>
+                      </p:stCondLst>
+                      <p:childTnLst>
+                        <p:par>
+                          <p:cTn id="4" fill="hold">
+                            <p:stCondLst>
+                              <p:cond delay="0"/>
+                            </p:stCondLst>
+                            <p:childTnLst>
+                              <p:par>
+                                <p:cTn id="5" presetID="9" presetClass="entr" presetSubtype="0" fill="hold" grpId="0" nodeType="clickEffect">
+                                  <p:stCondLst>
+                                    <p:cond delay="0"/>
+                                  </p:stCondLst>
+                                  <p:childTnLst>
+                                    <p:set>
+                                      <p:cBhvr>
+                                        <p:cTn id="6" dur="1" fill="hold">
+                                          <p:stCondLst>
+                                            <p:cond delay="0"/>
+                                          </p:stCondLst>
+                                        </p:cTn>
+                                        <p:tgtEl>
+                                          <p:spTgt spid="11"/>
+                                        </p:tgtEl>
+                                        <p:attrNameLst>
+                                          <p:attrName>style.visibility</p:attrName>
+                                        </p:attrNameLst>
+                                      </p:cBhvr>
+                                      <p:to>
+                                        <p:strVal val="visible"/>
+                                      </p:to>
+                                    </p:set>
+                                    <p:animEffect transition="in" filter="dissolve">
+                                      <p:cBhvr>
+                                        <p:cTn id="7" dur="500"/>
+                                        <p:tgtEl>
+                                          <p:spTgt spid="11"/>
+                                        </p:tgtEl>
+                                      </p:cBhvr>
+                                    </p:animEffect>
+                                  </p:childTnLst>
+                                </p:cTn>
+                              </p:par>
+                              <p:par>
+                                <p:cTn id="8" presetID="9" presetClass="entr" presetSubtype="0" fill="hold" grpId="0" nodeType="withEffect">
+                                  <p:stCondLst>
+                                    <p:cond delay="0"/>
+                                  </p:stCondLst>
+                                  <p:childTnLst>
+                                    <p:set>
+                                      <p:cBhvr>
+                                        <p:cTn id="9" dur="1" fill="hold">
+                                          <p:stCondLst>
+                                            <p:cond delay="0"/>
+                                          </p:stCondLst>
+                                        </p:cTn>
+                                        <p:tgtEl>
+                                          <p:spTgt spid="13"/>
+                                        </p:tgtEl>
+                                        <p:attrNameLst>
+                                          <p:attrName>style.visibility</p:attrName>
+                                        </p:attrNameLst>
+                                      </p:cBhvr>
+                                      <p:to>
+                                        <p:strVal val="visible"/>
+                                      </p:to>
+                                    </p:set>
+                                    <p:animEffect transition="in" filter="dissolve">
+                                      <p:cBhvr>
+                                        <p:cTn id="10" dur="1000"/>
+                                        <p:tgtEl>
+                                          <p:spTgt spid="13"/>
+                                        </p:tgtEl>
+                                      </p:cBhvr>
+                                    </p:animEffect>
+                                  </p:childTnLst>
+                                </p:cTn>
+                              </p:par>
+                            </p:childTnLst>
+                          </p:cTn>
+                        </p:par>
+                      </p:childTnLst>
+                    </p:cTn>
+                  </p:par>
+                  <p:par>
+                    <p:cTn id="11" fill="hold">
+                      <p:stCondLst>
+                        <p:cond delay="indefinite"/>
+                      </p:stCondLst>
+                      <p:childTnLst>
+                        <p:par>
+                          <p:cTn id="12" fill="hold">
+                            <p:stCondLst>
+                              <p:cond delay="0"/>
+                            </p:stCondLst>
+                            <p:childTnLst>
+                              <p:par>
+                                <p:cTn id="13" presetID="9" presetClass="entr" presetSubtype="0" fill="hold" grpId="0" nodeType="clickEffect">
+                                  <p:stCondLst>
+                                    <p:cond delay="0"/>
+                                  </p:stCondLst>
+                                  <p:childTnLst>
+                                    <p:set>
+                                      <p:cBhvr>
+                                        <p:cTn id="14" dur="1" fill="hold">
+                                          <p:stCondLst>
+                                            <p:cond delay="0"/>
+                                          </p:stCondLst>
+                                        </p:cTn>
+                                        <p:tgtEl>
+                                          <p:spTgt spid="12"/>
+                                        </p:tgtEl>
+                                        <p:attrNameLst>
+                                          <p:attrName>style.visibility</p:attrName>
+                                        </p:attrNameLst>
+                                      </p:cBhvr>
+                                      <p:to>
+                                        <p:strVal val="visible"/>
+                                      </p:to>
+                                    </p:set>
+                                    <p:animEffect transition="in" filter="dissolve">
+                                      <p:cBhvr>
+                                        <p:cTn id="15" dur="500"/>
+                                        <p:tgtEl>
+                                          <p:spTgt spid="12"/>
+                                        </p:tgtEl>
+                                      </p:cBhvr>
+                                    </p:animEffect>
+                                  </p:childTnLst>
+                                </p:cTn>
+                              </p:par>
+                              <p:par>
+                                <p:cTn id="16" presetID="9" presetClass="entr" presetSubtype="0" fill="hold" grpId="0" nodeType="withEffect">
+                                  <p:stCondLst>
+                                    <p:cond delay="0"/>
+                                  </p:stCondLst>
+                                  <p:childTnLst>
+                                    <p:set>
+                                      <p:cBhvr>
+                                        <p:cTn id="17" dur="1" fill="hold">
+                                          <p:stCondLst>
+                                            <p:cond delay="0"/>
+                                          </p:stCondLst>
+                                        </p:cTn>
+                                        <p:tgtEl>
+                                          <p:spTgt spid="15"/>
+                                        </p:tgtEl>
+                                        <p:attrNameLst>
+                                          <p:attrName>style.visibility</p:attrName>
+                                        </p:attrNameLst>
+                                      </p:cBhvr>
+                                      <p:to>
+                                        <p:strVal val="visible"/>
+                                      </p:to>
+                                    </p:set>
+                                    <p:animEffect transition="in" filter="dissolve">
+                                      <p:cBhvr>
+                                        <p:cTn id="18" dur="1000"/>
+                                        <p:tgtEl>
+                                          <p:spTgt spid="15"/>
+                                        </p:tgtEl>
+                                      </p:cBhvr>
+                                    </p:animEffect>
+                                  </p:childTnLst>
+                                </p:cTn>
+                              </p:par>
+                            </p:childTnLst>
+                          </p:cTn>
+                        </p:par>
+                      </p:childTnLst>
+                    </p:cTn>
+                  </p:par>
+                  <p:par>
+                    <p:cTn id="19" fill="hold">
+                      <p:stCondLst>
+                        <p:cond delay="indefinite"/>
+                      </p:stCondLst>
+                      <p:childTnLst>
+                        <p:par>
+                          <p:cTn id="20" fill="hold">
+                            <p:stCondLst>
+                              <p:cond delay="0"/>
+                            </p:stCondLst>
+                            <p:childTnLst>
+                              <p:par>
+                                <p:cTn id="21" presetID="9" presetClass="entr" presetSubtype="0" fill="hold" grpId="0" nodeType="clickEffect">
+                                  <p:stCondLst>
+                                    <p:cond delay="0"/>
+                                  </p:stCondLst>
+                                  <p:childTnLst>
+                                    <p:set>
+                                      <p:cBhvr>
+                                        <p:cTn id="22" dur="1" fill="hold">
+                                          <p:stCondLst>
+                                            <p:cond delay="0"/>
+                                          </p:stCondLst>
+                                        </p:cTn>
+                                        <p:tgtEl>
+                                          <p:spTgt spid="10"/>
+                                        </p:tgtEl>
+                                        <p:attrNameLst>
+                                          <p:attrName>style.visibility</p:attrName>
+                                        </p:attrNameLst>
+                                      </p:cBhvr>
+                                      <p:to>
+                                        <p:strVal val="visible"/>
+                                      </p:to>
+                                    </p:set>
+                                    <p:animEffect transition="in" filter="dissolve">
+                                      <p:cBhvr>
+                                        <p:cTn id="23" dur="500"/>
+                                        <p:tgtEl>
+                                          <p:spTgt spid="10"/>
+                                        </p:tgtEl>
+                                      </p:cBhvr>
+                                    </p:animEffect>
+                                  </p:childTnLst>
+                                </p:cTn>
+                              </p:par>
+                              <p:par>
+                                <p:cTn id="24" presetID="9" presetClass="entr" presetSubtype="0" fill="hold" grpId="0" nodeType="withEffect">
+                                  <p:stCondLst>
+                                    <p:cond delay="0"/>
+                                  </p:stCondLst>
+                                  <p:childTnLst>
+                                    <p:set>
+                                      <p:cBhvr>
+                                        <p:cTn id="25" dur="1" fill="hold">
+                                          <p:stCondLst>
+                                            <p:cond delay="0"/>
+                                          </p:stCondLst>
+                                        </p:cTn>
+                                        <p:tgtEl>
+                                          <p:spTgt spid="14"/>
+                                        </p:tgtEl>
+                                        <p:attrNameLst>
+                                          <p:attrName>style.visibility</p:attrName>
+                                        </p:attrNameLst>
+                                      </p:cBhvr>
+                                      <p:to>
+                                        <p:strVal val="visible"/>
+                                      </p:to>
+                                    </p:set>
+                                    <p:animEffect transition="in" filter="dissolve">
+                                      <p:cBhvr>
+                                        <p:cTn id="26" dur="1000"/>
+                                        <p:tgtEl>
+                                          <p:spTgt spid="14"/>
+                                        </p:tgtEl>
+                                      </p:cBhvr>
+                                    </p:animEffect>
+                                  </p:childTnLst>
+                                </p:cTn>
+                              </p:par>
+                            </p:childTnLst>
+                          </p:cTn>
+                        </p:par>
+                      </p:childTnLst>
+                    </p:cTn>
+                  </p:par>
+                </p:childTnLst>
+              </p:cTn>
+              <p:prevCondLst>
+                <p:cond evt="onPrev" delay="0">
+                  <p:tgtEl>
+                    <p:sldTgt/>
+                  </p:tgtEl>
+                </p:cond>
+              </p:prevCondLst>
+              <p:nextCondLst>
+                <p:cond evt="onNext" delay="0">
+                  <p:tgtEl>
+                    <p:sldTgt/>
+                  </p:tgtEl>
+                </p:cond>
+              </p:nextCondLst>
+            </p:seq>
+          </p:childTnLst>
+        </p:cTn>
+      </p:par>
+    </p:tnLst>
+    <p:bldLst>
+      <p:bldP spid="10" grpId="0" animBg="1"/>
+      <p:bldP spid="11" grpId="0" animBg="1"/>
+      <p:bldP spid="12" grpId="0" animBg="1"/>
+      <p:bldP spid="13" grpId="0"/>
+      <p:bldP spid="14" grpId="0"/>
+      <p:bldP spid="15" grpId="0"/>
+    </p:bldLst>
+  </p:timing>
+</p:sld>
+</file>
+
+<file path=ppt/slides/slide9.xml><?xml version="1.0" encoding="utf-8"?>
+<p:sld xmlns:a="http://schemas.openxmlformats.org/drawingml/2006/main" xmlns:r="http://schemas.openxmlformats.org/officeDocument/2006/relationships" xmlns:p="http://schemas.openxmlformats.org/presentationml/2006/main">
+  <p:cSld>
+    <p:spTree>
+      <p:nvGrpSpPr>
+        <p:cNvPr id="1" name=""/>
+        <p:cNvGrpSpPr/>
+        <p:nvPr/>
+      </p:nvGrpSpPr>
+      <p:grpSpPr>
+        <a:xfrm>
+          <a:off x="0" y="0"/>
+          <a:ext cx="0" cy="0"/>
+          <a:chOff x="0" y="0"/>
+          <a:chExt cx="0" cy="0"/>
+        </a:xfrm>
+      </p:grpSpPr>
       <p:pic>
         <p:nvPicPr>
-          <p:cNvPr id="8" name="Picture 7"/>
+          <p:cNvPr id="5" name="Immagine 4" descr="Fontys-Logo.png"/>
+          <p:cNvPicPr>
+            <a:picLocks noChangeAspect="1"/>
+          </p:cNvPicPr>
+          <p:nvPr/>
+        </p:nvPicPr>
+        <p:blipFill>
+          <a:blip r:embed="rId2">
+            <a:extLst>
+              <a:ext uri="{28A0092B-C50C-407E-A947-70E740481C1C}">
+                <a14:useLocalDpi xmlns:a14="http://schemas.microsoft.com/office/drawing/2010/main" val="0"/>
+              </a:ext>
+            </a:extLst>
+          </a:blip>
+          <a:stretch>
+            <a:fillRect/>
+          </a:stretch>
+        </p:blipFill>
+        <p:spPr>
+          <a:xfrm>
+            <a:off x="7029036" y="0"/>
+            <a:ext cx="2114964" cy="1069114"/>
+          </a:xfrm>
+          <a:prstGeom prst="rect">
+            <a:avLst/>
+          </a:prstGeom>
+        </p:spPr>
+      </p:pic>
+      <p:cxnSp>
+        <p:nvCxnSpPr>
+          <p:cNvPr id="6" name="Connettore 1 5"/>
+          <p:cNvCxnSpPr/>
+          <p:nvPr/>
+        </p:nvCxnSpPr>
+        <p:spPr>
+          <a:xfrm flipH="1">
+            <a:off x="0" y="1069114"/>
+            <a:ext cx="9144000" cy="0"/>
+          </a:xfrm>
+          <a:prstGeom prst="line">
+            <a:avLst/>
+          </a:prstGeom>
+        </p:spPr>
+        <p:style>
+          <a:lnRef idx="2">
+            <a:schemeClr val="accent4"/>
+          </a:lnRef>
+          <a:fillRef idx="0">
+            <a:schemeClr val="accent4"/>
+          </a:fillRef>
+          <a:effectRef idx="1">
+            <a:schemeClr val="accent4"/>
+          </a:effectRef>
+          <a:fontRef idx="minor">
+            <a:schemeClr val="tx1"/>
+          </a:fontRef>
+        </p:style>
+      </p:cxnSp>
+      <p:sp>
+        <p:nvSpPr>
+          <p:cNvPr id="7" name="Titolo 1"/>
+          <p:cNvSpPr txBox="1">
+            <a:spLocks/>
+          </p:cNvSpPr>
+          <p:nvPr/>
+        </p:nvSpPr>
+        <p:spPr>
+          <a:xfrm>
+            <a:off x="457200" y="274638"/>
+            <a:ext cx="4721578" cy="794476"/>
+          </a:xfrm>
+          <a:prstGeom prst="rect">
+            <a:avLst/>
+          </a:prstGeom>
+        </p:spPr>
+        <p:txBody>
+          <a:bodyPr vert="horz" lIns="91440" tIns="45720" rIns="91440" bIns="45720" rtlCol="0" anchor="ctr">
+            <a:normAutofit/>
+          </a:bodyPr>
+          <a:lstStyle>
+            <a:lvl1pPr algn="ctr" defTabSz="457200" rtl="0" eaLnBrk="1" latinLnBrk="0" hangingPunct="1">
+              <a:spcBef>
+                <a:spcPct val="0"/>
+              </a:spcBef>
+              <a:buNone/>
+              <a:defRPr sz="4400" kern="1200">
+                <a:solidFill>
+                  <a:schemeClr val="tx1"/>
+                </a:solidFill>
+                <a:latin typeface="+mj-lt"/>
+                <a:ea typeface="+mj-ea"/>
+                <a:cs typeface="+mj-cs"/>
+              </a:defRPr>
+            </a:lvl1pPr>
+          </a:lstStyle>
+          <a:p>
+            <a:r>
+              <a:rPr lang="nl-NL" b="1" dirty="0" err="1" smtClean="0">
+                <a:solidFill>
+                  <a:srgbClr val="660066"/>
+                </a:solidFill>
+              </a:rPr>
+              <a:t>Results</a:t>
+            </a:r>
+            <a:endParaRPr lang="it-IT" b="1" dirty="0">
+              <a:solidFill>
+                <a:srgbClr val="660066"/>
+              </a:solidFill>
+            </a:endParaRPr>
+          </a:p>
+        </p:txBody>
+      </p:sp>
+      <p:pic>
+        <p:nvPicPr>
+          <p:cNvPr id="9" name="Immagine 8"/>
           <p:cNvPicPr>
             <a:picLocks noChangeAspect="1"/>
           </p:cNvPicPr>
@@ -8161,8 +8686,8 @@
         </p:blipFill>
         <p:spPr>
           <a:xfrm>
-            <a:off x="3918856" y="1765286"/>
-            <a:ext cx="6553200" cy="3848100"/>
+            <a:off x="867834" y="1978744"/>
+            <a:ext cx="7598833" cy="3990255"/>
           </a:xfrm>
           <a:prstGeom prst="rect">
             <a:avLst/>
@@ -8172,13 +8697,20 @@
     </p:spTree>
     <p:extLst>
       <p:ext uri="{BB962C8B-B14F-4D97-AF65-F5344CB8AC3E}">
-        <p14:creationId xmlns:p14="http://schemas.microsoft.com/office/powerpoint/2010/main" val="381952677"/>
+        <p14:creationId xmlns:p14="http://schemas.microsoft.com/office/powerpoint/2010/main" val="2021584264"/>
       </p:ext>
     </p:extLst>
   </p:cSld>
   <p:clrMapOvr>
     <a:masterClrMapping/>
   </p:clrMapOvr>
+  <p:timing>
+    <p:tnLst>
+      <p:par>
+        <p:cTn xmlns:p14="http://schemas.microsoft.com/office/powerpoint/2010/main" id="1" dur="indefinite" restart="never" nodeType="tmRoot"/>
+      </p:par>
+    </p:tnLst>
+  </p:timing>
 </p:sld>
 </file>
 

--- a/presentation_28may.pptx
+++ b/presentation_28may.pptx
@@ -13,10 +13,10 @@
     <p:sldId id="259" r:id="rId4"/>
     <p:sldId id="260" r:id="rId5"/>
     <p:sldId id="261" r:id="rId6"/>
-    <p:sldId id="284" r:id="rId7"/>
-    <p:sldId id="279" r:id="rId8"/>
-    <p:sldId id="282" r:id="rId9"/>
-    <p:sldId id="285" r:id="rId10"/>
+    <p:sldId id="279" r:id="rId7"/>
+    <p:sldId id="282" r:id="rId8"/>
+    <p:sldId id="285" r:id="rId9"/>
+    <p:sldId id="284" r:id="rId10"/>
     <p:sldId id="271" r:id="rId11"/>
     <p:sldId id="275" r:id="rId12"/>
     <p:sldId id="262" r:id="rId13"/>
@@ -4016,6 +4016,13 @@
   <p:clrMapOvr>
     <a:masterClrMapping/>
   </p:clrMapOvr>
+  <p:timing>
+    <p:tnLst>
+      <p:par>
+        <p:cTn xmlns:p14="http://schemas.microsoft.com/office/powerpoint/2010/main" id="1" dur="indefinite" restart="never" nodeType="tmRoot"/>
+      </p:par>
+    </p:tnLst>
+  </p:timing>
 </p:sld>
 </file>
 
@@ -5432,7 +5439,7 @@
         </p:nvSpPr>
         <p:spPr>
           <a:xfrm>
-            <a:off x="797278" y="2509205"/>
+            <a:off x="0" y="2509205"/>
             <a:ext cx="5974644" cy="2308324"/>
           </a:xfrm>
           <a:prstGeom prst="rect">
@@ -5471,9 +5478,18 @@
               <a:buChar char="•"/>
             </a:pPr>
             <a:r>
+              <a:rPr lang="en-US" sz="3600" dirty="0" smtClean="0"/>
+              <a:t>Organize </a:t>
+            </a:r>
+            <a:r>
               <a:rPr lang="en-US" sz="3600" dirty="0"/>
-              <a:t>Report</a:t>
-            </a:r>
+              <a:t>f</a:t>
+            </a:r>
+            <a:r>
+              <a:rPr lang="en-US" sz="3600" dirty="0" smtClean="0"/>
+              <a:t>inal exhibition </a:t>
+            </a:r>
+            <a:endParaRPr lang="en-US" sz="3600" dirty="0" smtClean="0"/>
           </a:p>
           <a:p>
             <a:pPr marL="285750" indent="-285750">
@@ -5481,9 +5497,10 @@
               <a:buChar char="•"/>
             </a:pPr>
             <a:r>
-              <a:rPr lang="en-US" sz="3600" dirty="0"/>
+              <a:rPr lang="en-US" sz="3600" dirty="0" smtClean="0"/>
               <a:t>Finishing touches</a:t>
             </a:r>
+            <a:endParaRPr lang="en-US" sz="3600" dirty="0"/>
           </a:p>
         </p:txBody>
       </p:sp>
@@ -6093,6 +6110,13 @@
   <p:clrMapOvr>
     <a:masterClrMapping/>
   </p:clrMapOvr>
+  <p:timing>
+    <p:tnLst>
+      <p:par>
+        <p:cTn xmlns:p14="http://schemas.microsoft.com/office/powerpoint/2010/main" id="1" dur="indefinite" restart="never" nodeType="tmRoot"/>
+      </p:par>
+    </p:tnLst>
+  </p:timing>
 </p:sld>
 </file>
 
@@ -6501,6 +6525,13 @@
   <p:clrMapOvr>
     <a:masterClrMapping/>
   </p:clrMapOvr>
+  <p:timing>
+    <p:tnLst>
+      <p:par>
+        <p:cTn xmlns:p14="http://schemas.microsoft.com/office/powerpoint/2010/main" id="1" dur="indefinite" restart="never" nodeType="tmRoot"/>
+      </p:par>
+    </p:tnLst>
+  </p:timing>
 </p:sld>
 </file>
 
@@ -6812,6 +6843,13 @@
   <p:clrMapOvr>
     <a:masterClrMapping/>
   </p:clrMapOvr>
+  <p:timing>
+    <p:tnLst>
+      <p:par>
+        <p:cTn xmlns:p14="http://schemas.microsoft.com/office/powerpoint/2010/main" id="1" dur="indefinite" restart="never" nodeType="tmRoot"/>
+      </p:par>
+    </p:tnLst>
+  </p:timing>
 </p:sld>
 </file>
 
@@ -7127,6 +7165,13 @@
   <p:clrMapOvr>
     <a:masterClrMapping/>
   </p:clrMapOvr>
+  <p:timing>
+    <p:tnLst>
+      <p:par>
+        <p:cTn xmlns:p14="http://schemas.microsoft.com/office/powerpoint/2010/main" id="1" dur="indefinite" restart="never" nodeType="tmRoot"/>
+      </p:par>
+    </p:tnLst>
+  </p:timing>
 </p:sld>
 </file>
 
@@ -7475,218 +7520,6 @@
       </p:grpSpPr>
       <p:pic>
         <p:nvPicPr>
-          <p:cNvPr id="4" name="Immagine 3" descr="Fontys-Logo.png"/>
-          <p:cNvPicPr>
-            <a:picLocks noChangeAspect="1"/>
-          </p:cNvPicPr>
-          <p:nvPr/>
-        </p:nvPicPr>
-        <p:blipFill>
-          <a:blip r:embed="rId2">
-            <a:extLst>
-              <a:ext uri="{28A0092B-C50C-407E-A947-70E740481C1C}">
-                <a14:useLocalDpi xmlns:a14="http://schemas.microsoft.com/office/drawing/2010/main" val="0"/>
-              </a:ext>
-            </a:extLst>
-          </a:blip>
-          <a:stretch>
-            <a:fillRect/>
-          </a:stretch>
-        </p:blipFill>
-        <p:spPr>
-          <a:xfrm>
-            <a:off x="7029036" y="0"/>
-            <a:ext cx="2114964" cy="1069114"/>
-          </a:xfrm>
-          <a:prstGeom prst="rect">
-            <a:avLst/>
-          </a:prstGeom>
-        </p:spPr>
-      </p:pic>
-      <p:cxnSp>
-        <p:nvCxnSpPr>
-          <p:cNvPr id="5" name="Connettore 1 4"/>
-          <p:cNvCxnSpPr/>
-          <p:nvPr/>
-        </p:nvCxnSpPr>
-        <p:spPr>
-          <a:xfrm flipH="1">
-            <a:off x="0" y="1069114"/>
-            <a:ext cx="9144000" cy="0"/>
-          </a:xfrm>
-          <a:prstGeom prst="line">
-            <a:avLst/>
-          </a:prstGeom>
-        </p:spPr>
-        <p:style>
-          <a:lnRef idx="2">
-            <a:schemeClr val="accent4"/>
-          </a:lnRef>
-          <a:fillRef idx="0">
-            <a:schemeClr val="accent4"/>
-          </a:fillRef>
-          <a:effectRef idx="1">
-            <a:schemeClr val="accent4"/>
-          </a:effectRef>
-          <a:fontRef idx="minor">
-            <a:schemeClr val="tx1"/>
-          </a:fontRef>
-        </p:style>
-      </p:cxnSp>
-      <p:sp>
-        <p:nvSpPr>
-          <p:cNvPr id="6" name="Titolo 1"/>
-          <p:cNvSpPr txBox="1">
-            <a:spLocks/>
-          </p:cNvSpPr>
-          <p:nvPr/>
-        </p:nvSpPr>
-        <p:spPr>
-          <a:xfrm>
-            <a:off x="457200" y="274638"/>
-            <a:ext cx="4721578" cy="794476"/>
-          </a:xfrm>
-          <a:prstGeom prst="rect">
-            <a:avLst/>
-          </a:prstGeom>
-        </p:spPr>
-        <p:txBody>
-          <a:bodyPr vert="horz" lIns="91440" tIns="45720" rIns="91440" bIns="45720" rtlCol="0" anchor="ctr">
-            <a:normAutofit/>
-          </a:bodyPr>
-          <a:lstStyle>
-            <a:lvl1pPr algn="ctr" defTabSz="457200" rtl="0" eaLnBrk="1" latinLnBrk="0" hangingPunct="1">
-              <a:spcBef>
-                <a:spcPct val="0"/>
-              </a:spcBef>
-              <a:buNone/>
-              <a:defRPr sz="4400" kern="1200">
-                <a:solidFill>
-                  <a:schemeClr val="tx1"/>
-                </a:solidFill>
-                <a:latin typeface="+mj-lt"/>
-                <a:ea typeface="+mj-ea"/>
-                <a:cs typeface="+mj-cs"/>
-              </a:defRPr>
-            </a:lvl1pPr>
-          </a:lstStyle>
-          <a:p>
-            <a:r>
-              <a:rPr lang="nl-NL" b="1" dirty="0" err="1" smtClean="0">
-                <a:solidFill>
-                  <a:srgbClr val="660066"/>
-                </a:solidFill>
-              </a:rPr>
-              <a:t>Results</a:t>
-            </a:r>
-            <a:endParaRPr lang="it-IT" b="1" dirty="0">
-              <a:solidFill>
-                <a:srgbClr val="660066"/>
-              </a:solidFill>
-            </a:endParaRPr>
-          </a:p>
-        </p:txBody>
-      </p:sp>
-      <p:pic>
-        <p:nvPicPr>
-          <p:cNvPr id="10" name="Immagine 9"/>
-          <p:cNvPicPr>
-            <a:picLocks noChangeAspect="1"/>
-          </p:cNvPicPr>
-          <p:nvPr/>
-        </p:nvPicPr>
-        <p:blipFill rotWithShape="1">
-          <a:blip r:embed="rId3"/>
-          <a:srcRect t="10327"/>
-          <a:stretch/>
-        </p:blipFill>
-        <p:spPr>
-          <a:xfrm>
-            <a:off x="-21167" y="2624667"/>
-            <a:ext cx="9144000" cy="3091982"/>
-          </a:xfrm>
-          <a:prstGeom prst="rect">
-            <a:avLst/>
-          </a:prstGeom>
-        </p:spPr>
-      </p:pic>
-      <p:sp>
-        <p:nvSpPr>
-          <p:cNvPr id="11" name="CasellaDiTesto 10"/>
-          <p:cNvSpPr txBox="1"/>
-          <p:nvPr/>
-        </p:nvSpPr>
-        <p:spPr>
-          <a:xfrm>
-            <a:off x="2899833" y="1708834"/>
-            <a:ext cx="3019151" cy="646331"/>
-          </a:xfrm>
-          <a:prstGeom prst="rect">
-            <a:avLst/>
-          </a:prstGeom>
-          <a:noFill/>
-        </p:spPr>
-        <p:txBody>
-          <a:bodyPr wrap="none" rtlCol="0">
-            <a:spAutoFit/>
-          </a:bodyPr>
-          <a:lstStyle/>
-          <a:p>
-            <a:r>
-              <a:rPr lang="it-IT" sz="3200" b="1" dirty="0" smtClean="0"/>
-              <a:t>Impact</a:t>
-            </a:r>
-            <a:r>
-              <a:rPr lang="it-IT" sz="3600" b="1" dirty="0" smtClean="0"/>
-              <a:t> </a:t>
-            </a:r>
-            <a:r>
-              <a:rPr lang="it-IT" sz="3200" b="1" dirty="0" smtClean="0"/>
-              <a:t>solutions</a:t>
-            </a:r>
-            <a:endParaRPr lang="it-IT" sz="3200" b="1" dirty="0"/>
-          </a:p>
-        </p:txBody>
-      </p:sp>
-    </p:spTree>
-    <p:extLst>
-      <p:ext uri="{BB962C8B-B14F-4D97-AF65-F5344CB8AC3E}">
-        <p14:creationId xmlns:p14="http://schemas.microsoft.com/office/powerpoint/2010/main" val="1689501498"/>
-      </p:ext>
-    </p:extLst>
-  </p:cSld>
-  <p:clrMapOvr>
-    <a:masterClrMapping/>
-  </p:clrMapOvr>
-  <p:timing>
-    <p:tnLst>
-      <p:par>
-        <p:cTn xmlns:p14="http://schemas.microsoft.com/office/powerpoint/2010/main" id="1" dur="indefinite" restart="never" nodeType="tmRoot"/>
-      </p:par>
-    </p:tnLst>
-  </p:timing>
-</p:sld>
-</file>
-
-<file path=ppt/slides/slide7.xml><?xml version="1.0" encoding="utf-8"?>
-<p:sld xmlns:a="http://schemas.openxmlformats.org/drawingml/2006/main" xmlns:r="http://schemas.openxmlformats.org/officeDocument/2006/relationships" xmlns:p="http://schemas.openxmlformats.org/presentationml/2006/main">
-  <p:cSld>
-    <p:spTree>
-      <p:nvGrpSpPr>
-        <p:cNvPr id="1" name=""/>
-        <p:cNvGrpSpPr/>
-        <p:nvPr/>
-      </p:nvGrpSpPr>
-      <p:grpSpPr>
-        <a:xfrm>
-          <a:off x="0" y="0"/>
-          <a:ext cx="0" cy="0"/>
-          <a:chOff x="0" y="0"/>
-          <a:chExt cx="0" cy="0"/>
-        </a:xfrm>
-      </p:grpSpPr>
-      <p:pic>
-        <p:nvPicPr>
           <p:cNvPr id="2" name="Immagine 1" descr="Fontys-Logo.png"/>
           <p:cNvPicPr>
             <a:picLocks noChangeAspect="1"/>
@@ -7843,7 +7676,7 @@
 </p:sld>
 </file>
 
-<file path=ppt/slides/slide8.xml><?xml version="1.0" encoding="utf-8"?>
+<file path=ppt/slides/slide7.xml><?xml version="1.0" encoding="utf-8"?>
 <p:sld xmlns:a="http://schemas.openxmlformats.org/drawingml/2006/main" xmlns:r="http://schemas.openxmlformats.org/officeDocument/2006/relationships" xmlns:p="http://schemas.openxmlformats.org/presentationml/2006/main">
   <p:cSld>
     <p:spTree>
@@ -8539,7 +8372,7 @@
 </p:sld>
 </file>
 
-<file path=ppt/slides/slide9.xml><?xml version="1.0" encoding="utf-8"?>
+<file path=ppt/slides/slide8.xml><?xml version="1.0" encoding="utf-8"?>
 <p:sld xmlns:a="http://schemas.openxmlformats.org/drawingml/2006/main" xmlns:r="http://schemas.openxmlformats.org/officeDocument/2006/relationships" xmlns:p="http://schemas.openxmlformats.org/presentationml/2006/main">
   <p:cSld>
     <p:spTree>
@@ -8698,6 +8531,218 @@
     <p:extLst>
       <p:ext uri="{BB962C8B-B14F-4D97-AF65-F5344CB8AC3E}">
         <p14:creationId xmlns:p14="http://schemas.microsoft.com/office/powerpoint/2010/main" val="2021584264"/>
+      </p:ext>
+    </p:extLst>
+  </p:cSld>
+  <p:clrMapOvr>
+    <a:masterClrMapping/>
+  </p:clrMapOvr>
+  <p:timing>
+    <p:tnLst>
+      <p:par>
+        <p:cTn xmlns:p14="http://schemas.microsoft.com/office/powerpoint/2010/main" id="1" dur="indefinite" restart="never" nodeType="tmRoot"/>
+      </p:par>
+    </p:tnLst>
+  </p:timing>
+</p:sld>
+</file>
+
+<file path=ppt/slides/slide9.xml><?xml version="1.0" encoding="utf-8"?>
+<p:sld xmlns:a="http://schemas.openxmlformats.org/drawingml/2006/main" xmlns:r="http://schemas.openxmlformats.org/officeDocument/2006/relationships" xmlns:p="http://schemas.openxmlformats.org/presentationml/2006/main">
+  <p:cSld>
+    <p:spTree>
+      <p:nvGrpSpPr>
+        <p:cNvPr id="1" name=""/>
+        <p:cNvGrpSpPr/>
+        <p:nvPr/>
+      </p:nvGrpSpPr>
+      <p:grpSpPr>
+        <a:xfrm>
+          <a:off x="0" y="0"/>
+          <a:ext cx="0" cy="0"/>
+          <a:chOff x="0" y="0"/>
+          <a:chExt cx="0" cy="0"/>
+        </a:xfrm>
+      </p:grpSpPr>
+      <p:pic>
+        <p:nvPicPr>
+          <p:cNvPr id="4" name="Immagine 3" descr="Fontys-Logo.png"/>
+          <p:cNvPicPr>
+            <a:picLocks noChangeAspect="1"/>
+          </p:cNvPicPr>
+          <p:nvPr/>
+        </p:nvPicPr>
+        <p:blipFill>
+          <a:blip r:embed="rId2">
+            <a:extLst>
+              <a:ext uri="{28A0092B-C50C-407E-A947-70E740481C1C}">
+                <a14:useLocalDpi xmlns:a14="http://schemas.microsoft.com/office/drawing/2010/main" val="0"/>
+              </a:ext>
+            </a:extLst>
+          </a:blip>
+          <a:stretch>
+            <a:fillRect/>
+          </a:stretch>
+        </p:blipFill>
+        <p:spPr>
+          <a:xfrm>
+            <a:off x="7029036" y="0"/>
+            <a:ext cx="2114964" cy="1069114"/>
+          </a:xfrm>
+          <a:prstGeom prst="rect">
+            <a:avLst/>
+          </a:prstGeom>
+        </p:spPr>
+      </p:pic>
+      <p:cxnSp>
+        <p:nvCxnSpPr>
+          <p:cNvPr id="5" name="Connettore 1 4"/>
+          <p:cNvCxnSpPr/>
+          <p:nvPr/>
+        </p:nvCxnSpPr>
+        <p:spPr>
+          <a:xfrm flipH="1">
+            <a:off x="0" y="1069114"/>
+            <a:ext cx="9144000" cy="0"/>
+          </a:xfrm>
+          <a:prstGeom prst="line">
+            <a:avLst/>
+          </a:prstGeom>
+        </p:spPr>
+        <p:style>
+          <a:lnRef idx="2">
+            <a:schemeClr val="accent4"/>
+          </a:lnRef>
+          <a:fillRef idx="0">
+            <a:schemeClr val="accent4"/>
+          </a:fillRef>
+          <a:effectRef idx="1">
+            <a:schemeClr val="accent4"/>
+          </a:effectRef>
+          <a:fontRef idx="minor">
+            <a:schemeClr val="tx1"/>
+          </a:fontRef>
+        </p:style>
+      </p:cxnSp>
+      <p:sp>
+        <p:nvSpPr>
+          <p:cNvPr id="6" name="Titolo 1"/>
+          <p:cNvSpPr txBox="1">
+            <a:spLocks/>
+          </p:cNvSpPr>
+          <p:nvPr/>
+        </p:nvSpPr>
+        <p:spPr>
+          <a:xfrm>
+            <a:off x="457200" y="274638"/>
+            <a:ext cx="4721578" cy="794476"/>
+          </a:xfrm>
+          <a:prstGeom prst="rect">
+            <a:avLst/>
+          </a:prstGeom>
+        </p:spPr>
+        <p:txBody>
+          <a:bodyPr vert="horz" lIns="91440" tIns="45720" rIns="91440" bIns="45720" rtlCol="0" anchor="ctr">
+            <a:normAutofit/>
+          </a:bodyPr>
+          <a:lstStyle>
+            <a:lvl1pPr algn="ctr" defTabSz="457200" rtl="0" eaLnBrk="1" latinLnBrk="0" hangingPunct="1">
+              <a:spcBef>
+                <a:spcPct val="0"/>
+              </a:spcBef>
+              <a:buNone/>
+              <a:defRPr sz="4400" kern="1200">
+                <a:solidFill>
+                  <a:schemeClr val="tx1"/>
+                </a:solidFill>
+                <a:latin typeface="+mj-lt"/>
+                <a:ea typeface="+mj-ea"/>
+                <a:cs typeface="+mj-cs"/>
+              </a:defRPr>
+            </a:lvl1pPr>
+          </a:lstStyle>
+          <a:p>
+            <a:r>
+              <a:rPr lang="nl-NL" b="1" dirty="0" err="1" smtClean="0">
+                <a:solidFill>
+                  <a:srgbClr val="660066"/>
+                </a:solidFill>
+              </a:rPr>
+              <a:t>Results</a:t>
+            </a:r>
+            <a:endParaRPr lang="it-IT" b="1" dirty="0">
+              <a:solidFill>
+                <a:srgbClr val="660066"/>
+              </a:solidFill>
+            </a:endParaRPr>
+          </a:p>
+        </p:txBody>
+      </p:sp>
+      <p:pic>
+        <p:nvPicPr>
+          <p:cNvPr id="10" name="Immagine 9"/>
+          <p:cNvPicPr>
+            <a:picLocks noChangeAspect="1"/>
+          </p:cNvPicPr>
+          <p:nvPr/>
+        </p:nvPicPr>
+        <p:blipFill rotWithShape="1">
+          <a:blip r:embed="rId3"/>
+          <a:srcRect t="10327"/>
+          <a:stretch/>
+        </p:blipFill>
+        <p:spPr>
+          <a:xfrm>
+            <a:off x="-21167" y="2624667"/>
+            <a:ext cx="9144000" cy="3091982"/>
+          </a:xfrm>
+          <a:prstGeom prst="rect">
+            <a:avLst/>
+          </a:prstGeom>
+        </p:spPr>
+      </p:pic>
+      <p:sp>
+        <p:nvSpPr>
+          <p:cNvPr id="11" name="CasellaDiTesto 10"/>
+          <p:cNvSpPr txBox="1"/>
+          <p:nvPr/>
+        </p:nvSpPr>
+        <p:spPr>
+          <a:xfrm>
+            <a:off x="2899833" y="1708834"/>
+            <a:ext cx="3019151" cy="646331"/>
+          </a:xfrm>
+          <a:prstGeom prst="rect">
+            <a:avLst/>
+          </a:prstGeom>
+          <a:noFill/>
+        </p:spPr>
+        <p:txBody>
+          <a:bodyPr wrap="none" rtlCol="0">
+            <a:spAutoFit/>
+          </a:bodyPr>
+          <a:lstStyle/>
+          <a:p>
+            <a:r>
+              <a:rPr lang="it-IT" sz="3200" b="1" dirty="0" smtClean="0"/>
+              <a:t>Impact</a:t>
+            </a:r>
+            <a:r>
+              <a:rPr lang="it-IT" sz="3600" b="1" dirty="0" smtClean="0"/>
+              <a:t> </a:t>
+            </a:r>
+            <a:r>
+              <a:rPr lang="it-IT" sz="3200" b="1" dirty="0" smtClean="0"/>
+              <a:t>solutions</a:t>
+            </a:r>
+            <a:endParaRPr lang="it-IT" sz="3200" b="1" dirty="0"/>
+          </a:p>
+        </p:txBody>
+      </p:sp>
+    </p:spTree>
+    <p:extLst>
+      <p:ext uri="{BB962C8B-B14F-4D97-AF65-F5344CB8AC3E}">
+        <p14:creationId xmlns:p14="http://schemas.microsoft.com/office/powerpoint/2010/main" val="1689501498"/>
       </p:ext>
     </p:extLst>
   </p:cSld>
